--- a/Practica 04/PRESENTACION.pptx
+++ b/Practica 04/PRESENTACION.pptx
@@ -6083,6 +6083,36 @@
           </a:p>
         </p:txBody>
       </p:sp>
+      <p:pic>
+        <p:nvPicPr>
+          <p:cNvPr id="5" name="Imagen 4" descr="Imagen que contiene texto, mapa&#10;&#10;Descripción generada automáticamente">
+            <a:extLst>
+              <a:ext uri="{FF2B5EF4-FFF2-40B4-BE49-F238E27FC236}">
+                <a16:creationId xmlns:a16="http://schemas.microsoft.com/office/drawing/2014/main" id="{245F6F71-283C-42FD-97EF-1934B115A70D}"/>
+              </a:ext>
+            </a:extLst>
+          </p:cNvPr>
+          <p:cNvPicPr>
+            <a:picLocks noChangeAspect="1"/>
+          </p:cNvPicPr>
+          <p:nvPr/>
+        </p:nvPicPr>
+        <p:blipFill>
+          <a:blip r:embed="rId2"/>
+          <a:stretch>
+            <a:fillRect/>
+          </a:stretch>
+        </p:blipFill>
+        <p:spPr>
+          <a:xfrm>
+            <a:off x="5278327" y="1381030"/>
+            <a:ext cx="5125165" cy="4086795"/>
+          </a:xfrm>
+          <a:prstGeom prst="rect">
+            <a:avLst/>
+          </a:prstGeom>
+        </p:spPr>
+      </p:pic>
     </p:spTree>
     <p:extLst>
       <p:ext uri="{BB962C8B-B14F-4D97-AF65-F5344CB8AC3E}">

--- a/Practica 04/PRESENTACION.pptx
+++ b/Practica 04/PRESENTACION.pptx
@@ -6,12 +6,15 @@
   </p:sldMasterIdLst>
   <p:sldIdLst>
     <p:sldId id="256" r:id="rId2"/>
-    <p:sldId id="257" r:id="rId3"/>
-    <p:sldId id="273" r:id="rId4"/>
-    <p:sldId id="275" r:id="rId5"/>
-    <p:sldId id="276" r:id="rId6"/>
-    <p:sldId id="277" r:id="rId7"/>
-    <p:sldId id="272" r:id="rId8"/>
+    <p:sldId id="280" r:id="rId3"/>
+    <p:sldId id="279" r:id="rId4"/>
+    <p:sldId id="281" r:id="rId5"/>
+    <p:sldId id="273" r:id="rId6"/>
+    <p:sldId id="275" r:id="rId7"/>
+    <p:sldId id="278" r:id="rId8"/>
+    <p:sldId id="276" r:id="rId9"/>
+    <p:sldId id="277" r:id="rId10"/>
+    <p:sldId id="272" r:id="rId11"/>
   </p:sldIdLst>
   <p:sldSz cx="12192000" cy="6858000"/>
   <p:notesSz cx="6858000" cy="9144000"/>
@@ -386,7 +389,7 @@
             <a:fld id="{4FAB73BC-B049-4115-A692-8D63A059BFB8}" type="slidenum">
               <a:rPr lang="en-US" smtClean="0"/>
               <a:pPr/>
-              <a:t>‹Nº›</a:t>
+              <a:t>‹#›</a:t>
             </a:fld>
             <a:endParaRPr lang="en-US" dirty="0"/>
           </a:p>
@@ -558,7 +561,7 @@
             <a:fld id="{4FAB73BC-B049-4115-A692-8D63A059BFB8}" type="slidenum">
               <a:rPr lang="en-US" smtClean="0"/>
               <a:pPr/>
-              <a:t>‹Nº›</a:t>
+              <a:t>‹#›</a:t>
             </a:fld>
             <a:endParaRPr lang="en-US" dirty="0"/>
           </a:p>
@@ -740,7 +743,7 @@
             <a:fld id="{4FAB73BC-B049-4115-A692-8D63A059BFB8}" type="slidenum">
               <a:rPr lang="en-US" smtClean="0"/>
               <a:pPr/>
-              <a:t>‹Nº›</a:t>
+              <a:t>‹#›</a:t>
             </a:fld>
             <a:endParaRPr lang="en-US" dirty="0"/>
           </a:p>
@@ -912,7 +915,7 @@
             <a:fld id="{4FAB73BC-B049-4115-A692-8D63A059BFB8}" type="slidenum">
               <a:rPr lang="en-US" smtClean="0"/>
               <a:pPr/>
-              <a:t>‹Nº›</a:t>
+              <a:t>‹#›</a:t>
             </a:fld>
             <a:endParaRPr lang="en-US" dirty="0"/>
           </a:p>
@@ -1172,7 +1175,7 @@
             <a:fld id="{4FAB73BC-B049-4115-A692-8D63A059BFB8}" type="slidenum">
               <a:rPr lang="en-US" smtClean="0"/>
               <a:pPr/>
-              <a:t>‹Nº›</a:t>
+              <a:t>‹#›</a:t>
             </a:fld>
             <a:endParaRPr lang="en-US" dirty="0"/>
           </a:p>
@@ -1462,7 +1465,7 @@
             <a:fld id="{4FAB73BC-B049-4115-A692-8D63A059BFB8}" type="slidenum">
               <a:rPr lang="en-US" smtClean="0"/>
               <a:pPr/>
-              <a:t>‹Nº›</a:t>
+              <a:t>‹#›</a:t>
             </a:fld>
             <a:endParaRPr lang="en-US" dirty="0"/>
           </a:p>
@@ -1906,7 +1909,7 @@
             <a:fld id="{4FAB73BC-B049-4115-A692-8D63A059BFB8}" type="slidenum">
               <a:rPr lang="en-US" smtClean="0"/>
               <a:pPr/>
-              <a:t>‹Nº›</a:t>
+              <a:t>‹#›</a:t>
             </a:fld>
             <a:endParaRPr lang="en-US" dirty="0"/>
           </a:p>
@@ -2026,7 +2029,7 @@
             <a:fld id="{4FAB73BC-B049-4115-A692-8D63A059BFB8}" type="slidenum">
               <a:rPr lang="en-US" smtClean="0"/>
               <a:pPr/>
-              <a:t>‹Nº›</a:t>
+              <a:t>‹#›</a:t>
             </a:fld>
             <a:endParaRPr lang="en-US" dirty="0"/>
           </a:p>
@@ -2123,7 +2126,7 @@
             <a:fld id="{4FAB73BC-B049-4115-A692-8D63A059BFB8}" type="slidenum">
               <a:rPr lang="en-US" smtClean="0"/>
               <a:pPr/>
-              <a:t>‹Nº›</a:t>
+              <a:t>‹#›</a:t>
             </a:fld>
             <a:endParaRPr lang="en-US" dirty="0"/>
           </a:p>
@@ -2413,7 +2416,7 @@
             <a:fld id="{4FAB73BC-B049-4115-A692-8D63A059BFB8}" type="slidenum">
               <a:rPr lang="en-US" smtClean="0"/>
               <a:pPr/>
-              <a:t>‹Nº›</a:t>
+              <a:t>‹#›</a:t>
             </a:fld>
             <a:endParaRPr lang="en-US" dirty="0"/>
           </a:p>
@@ -2693,7 +2696,7 @@
             <a:fld id="{4FAB73BC-B049-4115-A692-8D63A059BFB8}" type="slidenum">
               <a:rPr lang="en-US" smtClean="0"/>
               <a:pPr/>
-              <a:t>‹Nº›</a:t>
+              <a:t>‹#›</a:t>
             </a:fld>
             <a:endParaRPr lang="en-US" dirty="0"/>
           </a:p>
@@ -3022,7 +3025,7 @@
             <a:fld id="{4FAB73BC-B049-4115-A692-8D63A059BFB8}" type="slidenum">
               <a:rPr lang="en-US" smtClean="0"/>
               <a:pPr/>
-              <a:t>‹Nº›</a:t>
+              <a:t>‹#›</a:t>
             </a:fld>
             <a:endParaRPr lang="en-US" dirty="0"/>
           </a:p>
@@ -3634,7 +3637,7 @@
 </p:sld>
 </file>
 
-<file path=ppt/slides/slide2.xml><?xml version="1.0" encoding="utf-8"?>
+<file path=ppt/slides/slide10.xml><?xml version="1.0" encoding="utf-8"?>
 <p:sld xmlns:a="http://schemas.openxmlformats.org/drawingml/2006/main" xmlns:r="http://schemas.openxmlformats.org/officeDocument/2006/relationships" xmlns:p="http://schemas.openxmlformats.org/presentationml/2006/main">
   <p:cSld>
     <p:bg>
@@ -3661,10 +3664,10 @@
       </p:grpSpPr>
       <p:sp>
         <p:nvSpPr>
-          <p:cNvPr id="9" name="Rectangle 8">
+          <p:cNvPr id="8" name="Rectangle 7">
             <a:extLst>
               <a:ext uri="{FF2B5EF4-FFF2-40B4-BE49-F238E27FC236}">
-                <a16:creationId xmlns:a16="http://schemas.microsoft.com/office/drawing/2014/main" id="{DB8424AB-D56B-4256-866A-5B54DE93C20F}"/>
+                <a16:creationId xmlns:a16="http://schemas.microsoft.com/office/drawing/2014/main" id="{C162DF2A-64D1-4AA9-BA42-8A4063EADE09}"/>
               </a:ext>
               <a:ext uri="{C183D7F6-B498-43B3-948B-1728B52AA6E4}">
                 <adec:decorative xmlns:adec="http://schemas.microsoft.com/office/drawing/2017/decorative" val="1"/>
@@ -3716,10 +3719,10 @@
       </p:sp>
       <p:sp>
         <p:nvSpPr>
-          <p:cNvPr id="11" name="Rectangle 10">
+          <p:cNvPr id="10" name="Rectangle 9">
             <a:extLst>
               <a:ext uri="{FF2B5EF4-FFF2-40B4-BE49-F238E27FC236}">
-                <a16:creationId xmlns:a16="http://schemas.microsoft.com/office/drawing/2014/main" id="{FC999C28-AD33-4EB7-A5F1-C06D10A5FDF7}"/>
+                <a16:creationId xmlns:a16="http://schemas.microsoft.com/office/drawing/2014/main" id="{5D7C1373-63AF-4A75-909E-990E05356670}"/>
               </a:ext>
               <a:ext uri="{C183D7F6-B498-43B3-948B-1728B52AA6E4}">
                 <adec:decorative xmlns:adec="http://schemas.microsoft.com/office/drawing/2017/decorative" val="1"/>
@@ -3773,10 +3776,10 @@
       </p:sp>
       <p:sp useBgFill="1">
         <p:nvSpPr>
-          <p:cNvPr id="13" name="Rectangle 12">
+          <p:cNvPr id="12" name="Rectangle 11">
             <a:extLst>
               <a:ext uri="{FF2B5EF4-FFF2-40B4-BE49-F238E27FC236}">
-                <a16:creationId xmlns:a16="http://schemas.microsoft.com/office/drawing/2014/main" id="{0864E5C9-52C9-4572-AC75-548B9B9C2648}"/>
+                <a16:creationId xmlns:a16="http://schemas.microsoft.com/office/drawing/2014/main" id="{18CADB29-8DC2-4A50-8BEC-5C30E8868F09}"/>
               </a:ext>
               <a:ext uri="{C183D7F6-B498-43B3-948B-1728B52AA6E4}">
                 <adec:decorative xmlns:adec="http://schemas.microsoft.com/office/drawing/2017/decorative" val="1"/>
@@ -3797,7 +3800,7 @@
         <p:spPr>
           <a:xfrm>
             <a:off x="0" y="0"/>
-            <a:ext cx="12191999" cy="6858000"/>
+            <a:ext cx="12192000" cy="6858000"/>
           </a:xfrm>
           <a:prstGeom prst="rect">
             <a:avLst/>
@@ -3827,16 +3830,16 @@
           <a:lstStyle/>
           <a:p>
             <a:pPr algn="ctr"/>
-            <a:endParaRPr lang="en-US"/>
-          </a:p>
-        </p:txBody>
-      </p:sp>
-      <p:sp>
-        <p:nvSpPr>
-          <p:cNvPr id="15" name="Rectangle 14">
+            <a:endParaRPr lang="en-US" dirty="0"/>
+          </a:p>
+        </p:txBody>
+      </p:sp>
+      <p:sp>
+        <p:nvSpPr>
+          <p:cNvPr id="14" name="Rectangle 13">
             <a:extLst>
               <a:ext uri="{FF2B5EF4-FFF2-40B4-BE49-F238E27FC236}">
-                <a16:creationId xmlns:a16="http://schemas.microsoft.com/office/drawing/2014/main" id="{45CC6500-4DBD-4C34-BC14-2387FB483BEB}"/>
+                <a16:creationId xmlns:a16="http://schemas.microsoft.com/office/drawing/2014/main" id="{5DF1B43F-EA23-4B99-96C3-C17484DE3E66}"/>
               </a:ext>
               <a:ext uri="{C183D7F6-B498-43B3-948B-1728B52AA6E4}">
                 <adec:decorative xmlns:adec="http://schemas.microsoft.com/office/drawing/2017/decorative" val="1"/>
@@ -3857,7 +3860,7 @@
         <p:spPr>
           <a:xfrm>
             <a:off x="1" y="761999"/>
-            <a:ext cx="4642228" cy="5334001"/>
+            <a:ext cx="6739466" cy="5334001"/>
           </a:xfrm>
           <a:prstGeom prst="rect">
             <a:avLst/>
@@ -3891,7 +3894,7 @@
           <p:cNvPr id="2" name="Title 1">
             <a:extLst>
               <a:ext uri="{FF2B5EF4-FFF2-40B4-BE49-F238E27FC236}">
-                <a16:creationId xmlns:a16="http://schemas.microsoft.com/office/drawing/2014/main" id="{CB90ED96-7C1A-47FF-9F92-D416056F516B}"/>
+                <a16:creationId xmlns:a16="http://schemas.microsoft.com/office/drawing/2014/main" id="{233C3153-1312-4F05-B97D-092F6EA33E1B}"/>
               </a:ext>
             </a:extLst>
           </p:cNvPr>
@@ -3904,26 +3907,30 @@
         </p:nvSpPr>
         <p:spPr>
           <a:xfrm>
-            <a:off x="261348" y="2118554"/>
-            <a:ext cx="5422097" cy="3615655"/>
-          </a:xfrm>
-        </p:spPr>
-        <p:txBody>
-          <a:bodyPr vert="horz" lIns="91440" tIns="45720" rIns="91440" bIns="45720" rtlCol="0" anchor="b">
+            <a:off x="1286929" y="1405466"/>
+            <a:ext cx="4805489" cy="4047068"/>
+          </a:xfrm>
+        </p:spPr>
+        <p:txBody>
+          <a:bodyPr vert="horz" lIns="91440" tIns="45720" rIns="91440" bIns="45720" rtlCol="0" anchor="ctr">
             <a:normAutofit/>
           </a:bodyPr>
           <a:lstStyle/>
           <a:p>
-            <a:endParaRPr lang="en-US" sz="5500" b="1" spc="-100" dirty="0"/>
-          </a:p>
-        </p:txBody>
-      </p:sp>
-      <p:sp>
-        <p:nvSpPr>
-          <p:cNvPr id="17" name="Rectangle 16">
+            <a:pPr algn="r"/>
+            <a:r>
+              <a:rPr lang="en-US" sz="13800" b="1" spc="-100" dirty="0"/>
+              <a:t>FIN</a:t>
+            </a:r>
+          </a:p>
+        </p:txBody>
+      </p:sp>
+      <p:sp>
+        <p:nvSpPr>
+          <p:cNvPr id="16" name="Rectangle 15">
             <a:extLst>
               <a:ext uri="{FF2B5EF4-FFF2-40B4-BE49-F238E27FC236}">
-                <a16:creationId xmlns:a16="http://schemas.microsoft.com/office/drawing/2014/main" id="{4E34A3B6-BAD2-4156-BDC6-4736248BFDE0}"/>
+                <a16:creationId xmlns:a16="http://schemas.microsoft.com/office/drawing/2014/main" id="{D5FD08BB-EB5C-48F5-95FD-3F539DDD4A87}"/>
               </a:ext>
               <a:ext uri="{C183D7F6-B498-43B3-948B-1728B52AA6E4}">
                 <adec:decorative xmlns:adec="http://schemas.microsoft.com/office/drawing/2017/decorative" val="1"/>
@@ -3943,8 +3950,8 @@
         </p:nvSpPr>
         <p:spPr>
           <a:xfrm>
-            <a:off x="11815864" y="758952"/>
-            <a:ext cx="384048" cy="5330952"/>
+            <a:off x="10634135" y="761999"/>
+            <a:ext cx="1561446" cy="5334001"/>
           </a:xfrm>
           <a:prstGeom prst="rect">
             <a:avLst/>
@@ -3975,6 +3982,80 @@
           </a:fontRef>
         </p:style>
       </p:sp>
+    </p:spTree>
+    <p:extLst>
+      <p:ext uri="{BB962C8B-B14F-4D97-AF65-F5344CB8AC3E}">
+        <p14:creationId xmlns:p14="http://schemas.microsoft.com/office/powerpoint/2010/main" val="3488987528"/>
+      </p:ext>
+    </p:extLst>
+  </p:cSld>
+  <p:clrMapOvr>
+    <a:masterClrMapping/>
+  </p:clrMapOvr>
+</p:sld>
+</file>
+
+<file path=ppt/slides/slide2.xml><?xml version="1.0" encoding="utf-8"?>
+<p:sld xmlns:a="http://schemas.openxmlformats.org/drawingml/2006/main" xmlns:r="http://schemas.openxmlformats.org/officeDocument/2006/relationships" xmlns:p="http://schemas.openxmlformats.org/presentationml/2006/main">
+  <p:cSld>
+    <p:spTree>
+      <p:nvGrpSpPr>
+        <p:cNvPr id="1" name=""/>
+        <p:cNvGrpSpPr/>
+        <p:nvPr/>
+      </p:nvGrpSpPr>
+      <p:grpSpPr>
+        <a:xfrm>
+          <a:off x="0" y="0"/>
+          <a:ext cx="0" cy="0"/>
+          <a:chOff x="0" y="0"/>
+          <a:chExt cx="0" cy="0"/>
+        </a:xfrm>
+      </p:grpSpPr>
+      <p:sp>
+        <p:nvSpPr>
+          <p:cNvPr id="2" name="Title 1">
+            <a:extLst>
+              <a:ext uri="{FF2B5EF4-FFF2-40B4-BE49-F238E27FC236}">
+                <a16:creationId xmlns:a16="http://schemas.microsoft.com/office/drawing/2014/main" id="{CB90ED96-7C1A-47FF-9F92-D416056F516B}"/>
+              </a:ext>
+            </a:extLst>
+          </p:cNvPr>
+          <p:cNvSpPr>
+            <a:spLocks noGrp="1"/>
+          </p:cNvSpPr>
+          <p:nvPr>
+            <p:ph type="title"/>
+          </p:nvPr>
+        </p:nvSpPr>
+        <p:spPr>
+          <a:xfrm>
+            <a:off x="189929" y="2518762"/>
+            <a:ext cx="4380880" cy="1935293"/>
+          </a:xfrm>
+        </p:spPr>
+        <p:txBody>
+          <a:bodyPr vert="horz" lIns="91440" tIns="45720" rIns="91440" bIns="45720" rtlCol="0" anchor="b">
+            <a:normAutofit/>
+          </a:bodyPr>
+          <a:lstStyle/>
+          <a:p>
+            <a:r>
+              <a:rPr lang="en-US" sz="5500" b="1" spc="-100" dirty="0" err="1"/>
+              <a:t>Árbol</a:t>
+            </a:r>
+            <a:r>
+              <a:rPr lang="en-US" sz="5500" b="1" spc="-100" dirty="0"/>
+              <a:t> de </a:t>
+            </a:r>
+            <a:r>
+              <a:rPr lang="en-US" sz="5500" b="1" spc="-100" dirty="0" err="1"/>
+              <a:t>decisión</a:t>
+            </a:r>
+            <a:endParaRPr lang="en-US" sz="5500" b="1" spc="-100" dirty="0"/>
+          </a:p>
+        </p:txBody>
+      </p:sp>
       <p:sp>
         <p:nvSpPr>
           <p:cNvPr id="3" name="CuadroTexto 2">
@@ -3989,8 +4070,8 @@
         </p:nvSpPr>
         <p:spPr>
           <a:xfrm>
-            <a:off x="290806" y="894989"/>
-            <a:ext cx="3665989" cy="861774"/>
+            <a:off x="0" y="894989"/>
+            <a:ext cx="3665989" cy="923330"/>
           </a:xfrm>
           <a:prstGeom prst="rect">
             <a:avLst/>
@@ -4004,7 +4085,7 @@
           <a:lstStyle/>
           <a:p>
             <a:r>
-              <a:rPr lang="es-ES" sz="5000" b="1" dirty="0">
+              <a:rPr lang="es-ES" sz="5400" b="1" dirty="0">
                 <a:solidFill>
                   <a:schemeClr val="bg1"/>
                 </a:solidFill>
@@ -4014,10 +4095,40 @@
           </a:p>
         </p:txBody>
       </p:sp>
+      <p:pic>
+        <p:nvPicPr>
+          <p:cNvPr id="5" name="Picture 4">
+            <a:extLst>
+              <a:ext uri="{FF2B5EF4-FFF2-40B4-BE49-F238E27FC236}">
+                <a16:creationId xmlns:a16="http://schemas.microsoft.com/office/drawing/2014/main" id="{F5C063BB-F072-4F80-847F-03BEB537E2ED}"/>
+              </a:ext>
+            </a:extLst>
+          </p:cNvPr>
+          <p:cNvPicPr>
+            <a:picLocks noChangeAspect="1"/>
+          </p:cNvPicPr>
+          <p:nvPr/>
+        </p:nvPicPr>
+        <p:blipFill>
+          <a:blip r:embed="rId2"/>
+          <a:stretch>
+            <a:fillRect/>
+          </a:stretch>
+        </p:blipFill>
+        <p:spPr>
+          <a:xfrm>
+            <a:off x="3757353" y="60459"/>
+            <a:ext cx="7631083" cy="6700598"/>
+          </a:xfrm>
+          <a:prstGeom prst="rect">
+            <a:avLst/>
+          </a:prstGeom>
+        </p:spPr>
+      </p:pic>
     </p:spTree>
     <p:extLst>
       <p:ext uri="{BB962C8B-B14F-4D97-AF65-F5344CB8AC3E}">
-        <p14:creationId xmlns:p14="http://schemas.microsoft.com/office/powerpoint/2010/main" val="2485558522"/>
+        <p14:creationId xmlns:p14="http://schemas.microsoft.com/office/powerpoint/2010/main" val="1451868902"/>
       </p:ext>
     </p:extLst>
   </p:cSld>
@@ -4028,6 +4139,367 @@
 </file>
 
 <file path=ppt/slides/slide3.xml><?xml version="1.0" encoding="utf-8"?>
+<p:sld xmlns:a="http://schemas.openxmlformats.org/drawingml/2006/main" xmlns:r="http://schemas.openxmlformats.org/officeDocument/2006/relationships" xmlns:p="http://schemas.openxmlformats.org/presentationml/2006/main">
+  <p:cSld>
+    <p:spTree>
+      <p:nvGrpSpPr>
+        <p:cNvPr id="1" name=""/>
+        <p:cNvGrpSpPr/>
+        <p:nvPr/>
+      </p:nvGrpSpPr>
+      <p:grpSpPr>
+        <a:xfrm>
+          <a:off x="0" y="0"/>
+          <a:ext cx="0" cy="0"/>
+          <a:chOff x="0" y="0"/>
+          <a:chExt cx="0" cy="0"/>
+        </a:xfrm>
+      </p:grpSpPr>
+      <p:sp>
+        <p:nvSpPr>
+          <p:cNvPr id="2" name="Title 1">
+            <a:extLst>
+              <a:ext uri="{FF2B5EF4-FFF2-40B4-BE49-F238E27FC236}">
+                <a16:creationId xmlns:a16="http://schemas.microsoft.com/office/drawing/2014/main" id="{CB90ED96-7C1A-47FF-9F92-D416056F516B}"/>
+              </a:ext>
+            </a:extLst>
+          </p:cNvPr>
+          <p:cNvSpPr>
+            <a:spLocks noGrp="1"/>
+          </p:cNvSpPr>
+          <p:nvPr>
+            <p:ph type="title"/>
+          </p:nvPr>
+        </p:nvSpPr>
+        <p:spPr>
+          <a:xfrm>
+            <a:off x="322932" y="1920245"/>
+            <a:ext cx="4380880" cy="1935293"/>
+          </a:xfrm>
+        </p:spPr>
+        <p:txBody>
+          <a:bodyPr vert="horz" lIns="91440" tIns="45720" rIns="91440" bIns="45720" rtlCol="0" anchor="b">
+            <a:normAutofit/>
+          </a:bodyPr>
+          <a:lstStyle/>
+          <a:p>
+            <a:r>
+              <a:rPr lang="en-US" sz="5500" b="1" spc="-100" dirty="0" err="1"/>
+              <a:t>Resuelto</a:t>
+            </a:r>
+            <a:endParaRPr lang="en-US" sz="5500" b="1" spc="-100" dirty="0"/>
+          </a:p>
+        </p:txBody>
+      </p:sp>
+      <p:sp>
+        <p:nvSpPr>
+          <p:cNvPr id="3" name="CuadroTexto 2">
+            <a:extLst>
+              <a:ext uri="{FF2B5EF4-FFF2-40B4-BE49-F238E27FC236}">
+                <a16:creationId xmlns:a16="http://schemas.microsoft.com/office/drawing/2014/main" id="{1B760E71-EBCA-411D-A0A3-F4D6EB1241AB}"/>
+              </a:ext>
+            </a:extLst>
+          </p:cNvPr>
+          <p:cNvSpPr txBox="1"/>
+          <p:nvPr/>
+        </p:nvSpPr>
+        <p:spPr>
+          <a:xfrm>
+            <a:off x="0" y="919928"/>
+            <a:ext cx="3665989" cy="923330"/>
+          </a:xfrm>
+          <a:prstGeom prst="rect">
+            <a:avLst/>
+          </a:prstGeom>
+          <a:noFill/>
+        </p:spPr>
+        <p:txBody>
+          <a:bodyPr wrap="square" rtlCol="0">
+            <a:spAutoFit/>
+          </a:bodyPr>
+          <a:lstStyle/>
+          <a:p>
+            <a:r>
+              <a:rPr lang="es-ES" sz="5400" b="1" dirty="0">
+                <a:solidFill>
+                  <a:schemeClr val="bg1"/>
+                </a:solidFill>
+              </a:rPr>
+              <a:t>Ejercicio 01</a:t>
+            </a:r>
+          </a:p>
+        </p:txBody>
+      </p:sp>
+      <p:pic>
+        <p:nvPicPr>
+          <p:cNvPr id="8" name="Picture 7">
+            <a:extLst>
+              <a:ext uri="{FF2B5EF4-FFF2-40B4-BE49-F238E27FC236}">
+                <a16:creationId xmlns:a16="http://schemas.microsoft.com/office/drawing/2014/main" id="{9B41FAE2-888D-49AC-BA36-EC67AC600E56}"/>
+              </a:ext>
+            </a:extLst>
+          </p:cNvPr>
+          <p:cNvPicPr>
+            <a:picLocks noChangeAspect="1"/>
+          </p:cNvPicPr>
+          <p:nvPr/>
+        </p:nvPicPr>
+        <p:blipFill>
+          <a:blip r:embed="rId2"/>
+          <a:stretch>
+            <a:fillRect/>
+          </a:stretch>
+        </p:blipFill>
+        <p:spPr>
+          <a:xfrm>
+            <a:off x="3763166" y="124691"/>
+            <a:ext cx="7526330" cy="6608618"/>
+          </a:xfrm>
+          <a:prstGeom prst="rect">
+            <a:avLst/>
+          </a:prstGeom>
+        </p:spPr>
+      </p:pic>
+    </p:spTree>
+    <p:extLst>
+      <p:ext uri="{BB962C8B-B14F-4D97-AF65-F5344CB8AC3E}">
+        <p14:creationId xmlns:p14="http://schemas.microsoft.com/office/powerpoint/2010/main" val="3090347564"/>
+      </p:ext>
+    </p:extLst>
+  </p:cSld>
+  <p:clrMapOvr>
+    <a:masterClrMapping/>
+  </p:clrMapOvr>
+</p:sld>
+</file>
+
+<file path=ppt/slides/slide4.xml><?xml version="1.0" encoding="utf-8"?>
+<p:sld xmlns:a="http://schemas.openxmlformats.org/drawingml/2006/main" xmlns:r="http://schemas.openxmlformats.org/officeDocument/2006/relationships" xmlns:p="http://schemas.openxmlformats.org/presentationml/2006/main">
+  <p:cSld>
+    <p:bg>
+      <p:bgPr>
+        <a:solidFill>
+          <a:schemeClr val="bg1"/>
+        </a:solidFill>
+        <a:effectLst/>
+      </p:bgPr>
+    </p:bg>
+    <p:spTree>
+      <p:nvGrpSpPr>
+        <p:cNvPr id="1" name=""/>
+        <p:cNvGrpSpPr/>
+        <p:nvPr/>
+      </p:nvGrpSpPr>
+      <p:grpSpPr>
+        <a:xfrm>
+          <a:off x="0" y="0"/>
+          <a:ext cx="0" cy="0"/>
+          <a:chOff x="0" y="0"/>
+          <a:chExt cx="0" cy="0"/>
+        </a:xfrm>
+      </p:grpSpPr>
+      <p:sp>
+        <p:nvSpPr>
+          <p:cNvPr id="13" name="Rectangle 12">
+            <a:extLst>
+              <a:ext uri="{FF2B5EF4-FFF2-40B4-BE49-F238E27FC236}">
+                <a16:creationId xmlns:a16="http://schemas.microsoft.com/office/drawing/2014/main" id="{681577AD-DA5F-48B3-8FB9-5199BA9EE681}"/>
+              </a:ext>
+              <a:ext uri="{C183D7F6-B498-43B3-948B-1728B52AA6E4}">
+                <adec:decorative xmlns:adec="http://schemas.microsoft.com/office/drawing/2017/decorative" val="1"/>
+              </a:ext>
+            </a:extLst>
+          </p:cNvPr>
+          <p:cNvSpPr>
+            <a:spLocks noGrp="1" noRot="1" noChangeAspect="1" noMove="1" noResize="1" noEditPoints="1" noAdjustHandles="1" noChangeArrowheads="1" noChangeShapeType="1" noTextEdit="1"/>
+          </p:cNvSpPr>
+          <p:nvPr>
+            <p:extLst>
+              <p:ext uri="{386F3935-93C4-4BCD-93E2-E3B085C9AB24}">
+                <p16:designElem xmlns:p16="http://schemas.microsoft.com/office/powerpoint/2015/main" val="1"/>
+              </p:ext>
+            </p:extLst>
+          </p:nvPr>
+        </p:nvSpPr>
+        <p:spPr>
+          <a:xfrm>
+            <a:off x="1" y="765350"/>
+            <a:ext cx="4642228" cy="5330650"/>
+          </a:xfrm>
+          <a:prstGeom prst="rect">
+            <a:avLst/>
+          </a:prstGeom>
+          <a:solidFill>
+            <a:schemeClr val="accent1"/>
+          </a:solidFill>
+          <a:ln>
+            <a:noFill/>
+          </a:ln>
+        </p:spPr>
+        <p:style>
+          <a:lnRef idx="2">
+            <a:schemeClr val="accent1">
+              <a:shade val="50000"/>
+            </a:schemeClr>
+          </a:lnRef>
+          <a:fillRef idx="1">
+            <a:schemeClr val="accent1"/>
+          </a:fillRef>
+          <a:effectRef idx="0">
+            <a:schemeClr val="accent1"/>
+          </a:effectRef>
+          <a:fontRef idx="minor">
+            <a:schemeClr val="lt1"/>
+          </a:fontRef>
+        </p:style>
+      </p:sp>
+      <p:sp>
+        <p:nvSpPr>
+          <p:cNvPr id="2" name="Title 1">
+            <a:extLst>
+              <a:ext uri="{FF2B5EF4-FFF2-40B4-BE49-F238E27FC236}">
+                <a16:creationId xmlns:a16="http://schemas.microsoft.com/office/drawing/2014/main" id="{1F97CED3-1129-4D21-9AB0-A5433C1EE7AD}"/>
+              </a:ext>
+            </a:extLst>
+          </p:cNvPr>
+          <p:cNvSpPr>
+            <a:spLocks noGrp="1"/>
+          </p:cNvSpPr>
+          <p:nvPr>
+            <p:ph type="title"/>
+          </p:nvPr>
+        </p:nvSpPr>
+        <p:spPr>
+          <a:xfrm>
+            <a:off x="289249" y="1123837"/>
+            <a:ext cx="4016116" cy="1255469"/>
+          </a:xfrm>
+        </p:spPr>
+        <p:txBody>
+          <a:bodyPr>
+            <a:normAutofit/>
+          </a:bodyPr>
+          <a:lstStyle/>
+          <a:p>
+            <a:r>
+              <a:rPr lang="en-US" sz="5400" b="1" dirty="0" err="1">
+                <a:latin typeface="+mn-lt"/>
+              </a:rPr>
+              <a:t>Ejercicio</a:t>
+            </a:r>
+            <a:r>
+              <a:rPr lang="en-US" sz="5400" b="1" dirty="0">
+                <a:latin typeface="+mn-lt"/>
+              </a:rPr>
+              <a:t> 01</a:t>
+            </a:r>
+          </a:p>
+        </p:txBody>
+      </p:sp>
+      <p:sp>
+        <p:nvSpPr>
+          <p:cNvPr id="10" name="Content Placeholder 9">
+            <a:extLst>
+              <a:ext uri="{FF2B5EF4-FFF2-40B4-BE49-F238E27FC236}">
+                <a16:creationId xmlns:a16="http://schemas.microsoft.com/office/drawing/2014/main" id="{C4252EEE-C6F2-40A3-8F71-6102B4D895B0}"/>
+              </a:ext>
+            </a:extLst>
+          </p:cNvPr>
+          <p:cNvSpPr>
+            <a:spLocks noGrp="1"/>
+          </p:cNvSpPr>
+          <p:nvPr>
+            <p:ph idx="1"/>
+          </p:nvPr>
+        </p:nvSpPr>
+        <p:spPr>
+          <a:xfrm>
+            <a:off x="289249" y="2510395"/>
+            <a:ext cx="4016116" cy="3274586"/>
+          </a:xfrm>
+        </p:spPr>
+        <p:txBody>
+          <a:bodyPr anchor="t">
+            <a:normAutofit/>
+          </a:bodyPr>
+          <a:lstStyle/>
+          <a:p>
+            <a:r>
+              <a:rPr lang="en-US" sz="4000" dirty="0" err="1">
+                <a:solidFill>
+                  <a:srgbClr val="FFFFFF"/>
+                </a:solidFill>
+              </a:rPr>
+              <a:t>Diagrama</a:t>
+            </a:r>
+            <a:r>
+              <a:rPr lang="en-US" sz="4000" dirty="0">
+                <a:solidFill>
+                  <a:srgbClr val="FFFFFF"/>
+                </a:solidFill>
+              </a:rPr>
+              <a:t> de </a:t>
+            </a:r>
+            <a:r>
+              <a:rPr lang="en-US" sz="4000" dirty="0" err="1">
+                <a:solidFill>
+                  <a:srgbClr val="FFFFFF"/>
+                </a:solidFill>
+              </a:rPr>
+              <a:t>influencia</a:t>
+            </a:r>
+            <a:endParaRPr lang="en-US" sz="4000" dirty="0">
+              <a:solidFill>
+                <a:srgbClr val="FFFFFF"/>
+              </a:solidFill>
+            </a:endParaRPr>
+          </a:p>
+        </p:txBody>
+      </p:sp>
+      <p:pic>
+        <p:nvPicPr>
+          <p:cNvPr id="8" name="Content Placeholder 4">
+            <a:extLst>
+              <a:ext uri="{FF2B5EF4-FFF2-40B4-BE49-F238E27FC236}">
+                <a16:creationId xmlns:a16="http://schemas.microsoft.com/office/drawing/2014/main" id="{C8596708-920E-4DEC-AC38-D9990D0B3004}"/>
+              </a:ext>
+            </a:extLst>
+          </p:cNvPr>
+          <p:cNvPicPr>
+            <a:picLocks noChangeAspect="1"/>
+          </p:cNvPicPr>
+          <p:nvPr/>
+        </p:nvPicPr>
+        <p:blipFill>
+          <a:blip r:embed="rId2"/>
+          <a:stretch>
+            <a:fillRect/>
+          </a:stretch>
+        </p:blipFill>
+        <p:spPr>
+          <a:xfrm>
+            <a:off x="5137463" y="1407875"/>
+            <a:ext cx="6193767" cy="4034098"/>
+          </a:xfrm>
+          <a:prstGeom prst="rect">
+            <a:avLst/>
+          </a:prstGeom>
+        </p:spPr>
+      </p:pic>
+    </p:spTree>
+    <p:extLst>
+      <p:ext uri="{BB962C8B-B14F-4D97-AF65-F5344CB8AC3E}">
+        <p14:creationId xmlns:p14="http://schemas.microsoft.com/office/powerpoint/2010/main" val="3702119223"/>
+      </p:ext>
+    </p:extLst>
+  </p:cSld>
+  <p:clrMapOvr>
+    <a:masterClrMapping/>
+  </p:clrMapOvr>
+</p:sld>
+</file>
+
+<file path=ppt/slides/slide5.xml><?xml version="1.0" encoding="utf-8"?>
 <p:sld xmlns:a="http://schemas.openxmlformats.org/drawingml/2006/main" xmlns:r="http://schemas.openxmlformats.org/officeDocument/2006/relationships" xmlns:p="http://schemas.openxmlformats.org/presentationml/2006/main">
   <p:cSld>
     <p:bg>
@@ -4356,7 +4828,7 @@
             </a:r>
             <a:r>
               <a:rPr lang="en-US" sz="5500" b="1" spc="-100" dirty="0" err="1"/>
-              <a:t>probelma</a:t>
+              <a:t>problema</a:t>
             </a:r>
             <a:br>
               <a:rPr lang="en-US" sz="5500" b="1" spc="-100" dirty="0"/>
@@ -4440,7 +4912,7 @@
         <p:spPr>
           <a:xfrm>
             <a:off x="290806" y="894989"/>
-            <a:ext cx="3665989" cy="861774"/>
+            <a:ext cx="3665989" cy="923330"/>
           </a:xfrm>
           <a:prstGeom prst="rect">
             <a:avLst/>
@@ -4454,7 +4926,7 @@
           <a:lstStyle/>
           <a:p>
             <a:r>
-              <a:rPr lang="es-ES" sz="5000" b="1" dirty="0">
+              <a:rPr lang="es-ES" sz="5400" b="1" dirty="0">
                 <a:solidFill>
                   <a:schemeClr val="bg1"/>
                 </a:solidFill>
@@ -4533,8 +5005,8 @@
         </p:nvSpPr>
         <p:spPr>
           <a:xfrm>
-            <a:off x="4770872" y="822120"/>
-            <a:ext cx="6671712" cy="4893647"/>
+            <a:off x="4842166" y="839294"/>
+            <a:ext cx="7165722" cy="4893647"/>
           </a:xfrm>
           <a:prstGeom prst="rect">
             <a:avLst/>
@@ -4555,19 +5027,19 @@
           <a:p>
             <a:r>
               <a:rPr lang="es-ES" sz="2400" dirty="0"/>
-              <a:t>Coches con un TVM de 10 años</a:t>
+              <a:t>Coches con un TVM de 10 años.</a:t>
             </a:r>
           </a:p>
           <a:p>
             <a:r>
               <a:rPr lang="es-ES" sz="2400" dirty="0"/>
-              <a:t>En un tiempo de aquí a 2 años</a:t>
+              <a:t>En un tiempo de aquí a 2 años.</a:t>
             </a:r>
           </a:p>
           <a:p>
             <a:r>
               <a:rPr lang="es-ES" sz="2400" dirty="0"/>
-              <a:t>Consideramos unas pérdidas de 50 euros/hora</a:t>
+              <a:t>Consideramos unas pérdidas de 50 euros/hora.</a:t>
             </a:r>
           </a:p>
           <a:p>
@@ -4580,7 +5052,7 @@
             </a:pPr>
             <a:r>
               <a:rPr lang="es-ES" sz="2400" dirty="0"/>
-              <a:t>Reemplazar el coche</a:t>
+              <a:t>Reemplazar el coche.</a:t>
             </a:r>
           </a:p>
           <a:p>
@@ -4590,7 +5062,7 @@
             </a:pPr>
             <a:r>
               <a:rPr lang="es-ES" sz="2400" dirty="0"/>
-              <a:t>Reparar el coche</a:t>
+              <a:t>Reparar el coche.</a:t>
             </a:r>
           </a:p>
           <a:p>
@@ -4600,7 +5072,7 @@
             </a:pPr>
             <a:r>
               <a:rPr lang="es-ES" sz="2400" dirty="0"/>
-              <a:t>Mantenimiento diario del coche</a:t>
+              <a:t>Mantenimiento diario del coche.</a:t>
             </a:r>
           </a:p>
           <a:p>
@@ -4611,27 +5083,43 @@
             <a:endParaRPr lang="es-ES" sz="2400" dirty="0"/>
           </a:p>
           <a:p>
+            <a:pPr marL="342900" indent="-342900">
+              <a:buFont typeface="Wingdings" panose="05000000000000000000" pitchFamily="2" charset="2"/>
+              <a:buChar char="Ø"/>
+            </a:pPr>
             <a:r>
               <a:rPr lang="es-ES" sz="2400" dirty="0"/>
-              <a:t>Un coche nuevo se compra por 15.000 euros</a:t>
-            </a:r>
-          </a:p>
-          <a:p>
+              <a:t>Un coche nuevo se compra por 15.000 euros.</a:t>
+            </a:r>
+          </a:p>
+          <a:p>
+            <a:pPr marL="342900" indent="-342900">
+              <a:buFont typeface="Wingdings" panose="05000000000000000000" pitchFamily="2" charset="2"/>
+              <a:buChar char="Ø"/>
+            </a:pPr>
             <a:r>
               <a:rPr lang="es-ES" sz="2400" dirty="0"/>
-              <a:t>El viejo se vende por 5.000 euros</a:t>
-            </a:r>
-          </a:p>
-          <a:p>
+              <a:t>El viejo se vende por 5.000 euros.</a:t>
+            </a:r>
+          </a:p>
+          <a:p>
+            <a:pPr marL="342900" indent="-342900">
+              <a:buFont typeface="Wingdings" panose="05000000000000000000" pitchFamily="2" charset="2"/>
+              <a:buChar char="Ø"/>
+            </a:pPr>
             <a:r>
               <a:rPr lang="es-ES" sz="2400" dirty="0"/>
-              <a:t>Reparar el coche vale 600 euros</a:t>
-            </a:r>
-          </a:p>
-          <a:p>
+              <a:t>Reparar el coche vale 600 euros.</a:t>
+            </a:r>
+          </a:p>
+          <a:p>
+            <a:pPr marL="342900" indent="-342900">
+              <a:buFont typeface="Wingdings" panose="05000000000000000000" pitchFamily="2" charset="2"/>
+              <a:buChar char="Ø"/>
+            </a:pPr>
             <a:r>
               <a:rPr lang="es-ES" sz="2400" dirty="0"/>
-              <a:t>El mantenimiento es fijo a  20.000 euros / dos años</a:t>
+              <a:t>El mantenimiento es fijo a  20.000 euros / dos años.</a:t>
             </a:r>
           </a:p>
         </p:txBody>
@@ -4649,7 +5137,7 @@
 </p:sld>
 </file>
 
-<file path=ppt/slides/slide4.xml><?xml version="1.0" encoding="utf-8"?>
+<file path=ppt/slides/slide6.xml><?xml version="1.0" encoding="utf-8"?>
 <p:sld xmlns:a="http://schemas.openxmlformats.org/drawingml/2006/main" xmlns:r="http://schemas.openxmlformats.org/officeDocument/2006/relationships" xmlns:p="http://schemas.openxmlformats.org/presentationml/2006/main">
   <p:cSld>
     <p:bg>
@@ -5065,7 +5553,7 @@
         <p:spPr>
           <a:xfrm>
             <a:off x="290806" y="894989"/>
-            <a:ext cx="3665989" cy="861774"/>
+            <a:ext cx="3665989" cy="923330"/>
           </a:xfrm>
           <a:prstGeom prst="rect">
             <a:avLst/>
@@ -5079,7 +5567,7 @@
           <a:lstStyle/>
           <a:p>
             <a:r>
-              <a:rPr lang="es-ES" sz="5000" b="1" dirty="0">
+              <a:rPr lang="es-ES" sz="5400" b="1" dirty="0">
                 <a:solidFill>
                   <a:schemeClr val="bg1"/>
                 </a:solidFill>
@@ -5091,10 +5579,10 @@
       </p:sp>
       <p:pic>
         <p:nvPicPr>
-          <p:cNvPr id="8" name="Imagen 7" descr="Imagen que contiene texto, mapa, cielo&#10;&#10;Descripción generada automáticamente">
+          <p:cNvPr id="5" name="Picture 4">
             <a:extLst>
               <a:ext uri="{FF2B5EF4-FFF2-40B4-BE49-F238E27FC236}">
-                <a16:creationId xmlns:a16="http://schemas.microsoft.com/office/drawing/2014/main" id="{82173A70-0948-41FA-816B-74065F5A319A}"/>
+                <a16:creationId xmlns:a16="http://schemas.microsoft.com/office/drawing/2014/main" id="{07E720C6-7434-4DAC-9C18-938C4CD1450B}"/>
               </a:ext>
             </a:extLst>
           </p:cNvPr>
@@ -5111,8 +5599,8 @@
         </p:blipFill>
         <p:spPr>
           <a:xfrm>
-            <a:off x="4770873" y="758952"/>
-            <a:ext cx="5422097" cy="5657353"/>
+            <a:off x="5772108" y="290529"/>
+            <a:ext cx="5358322" cy="6267797"/>
           </a:xfrm>
           <a:prstGeom prst="rect">
             <a:avLst/>
@@ -5132,7 +5620,616 @@
 </p:sld>
 </file>
 
-<file path=ppt/slides/slide5.xml><?xml version="1.0" encoding="utf-8"?>
+<file path=ppt/slides/slide7.xml><?xml version="1.0" encoding="utf-8"?>
+<p:sld xmlns:a="http://schemas.openxmlformats.org/drawingml/2006/main" xmlns:r="http://schemas.openxmlformats.org/officeDocument/2006/relationships" xmlns:p="http://schemas.openxmlformats.org/presentationml/2006/main">
+  <p:cSld>
+    <p:spTree>
+      <p:nvGrpSpPr>
+        <p:cNvPr id="1" name=""/>
+        <p:cNvGrpSpPr/>
+        <p:nvPr/>
+      </p:nvGrpSpPr>
+      <p:grpSpPr>
+        <a:xfrm>
+          <a:off x="0" y="0"/>
+          <a:ext cx="0" cy="0"/>
+          <a:chOff x="0" y="0"/>
+          <a:chExt cx="0" cy="0"/>
+        </a:xfrm>
+      </p:grpSpPr>
+      <p:sp>
+        <p:nvSpPr>
+          <p:cNvPr id="2" name="Title 1">
+            <a:extLst>
+              <a:ext uri="{FF2B5EF4-FFF2-40B4-BE49-F238E27FC236}">
+                <a16:creationId xmlns:a16="http://schemas.microsoft.com/office/drawing/2014/main" id="{7D67F424-659E-451A-9FF3-A6ED8FFA4A4E}"/>
+              </a:ext>
+            </a:extLst>
+          </p:cNvPr>
+          <p:cNvSpPr>
+            <a:spLocks noGrp="1"/>
+          </p:cNvSpPr>
+          <p:nvPr>
+            <p:ph type="title"/>
+          </p:nvPr>
+        </p:nvSpPr>
+        <p:spPr>
+          <a:xfrm>
+            <a:off x="252919" y="1123837"/>
+            <a:ext cx="2947482" cy="729901"/>
+          </a:xfrm>
+        </p:spPr>
+        <p:txBody>
+          <a:bodyPr/>
+          <a:lstStyle/>
+          <a:p>
+            <a:r>
+              <a:rPr lang="en-US" dirty="0" err="1"/>
+              <a:t>Resuelto</a:t>
+            </a:r>
+            <a:endParaRPr lang="en-US" dirty="0"/>
+          </a:p>
+        </p:txBody>
+      </p:sp>
+      <p:pic>
+        <p:nvPicPr>
+          <p:cNvPr id="5" name="Picture 4">
+            <a:extLst>
+              <a:ext uri="{FF2B5EF4-FFF2-40B4-BE49-F238E27FC236}">
+                <a16:creationId xmlns:a16="http://schemas.microsoft.com/office/drawing/2014/main" id="{4B3B13E9-B0D9-4424-845F-AA6CA87E0A97}"/>
+              </a:ext>
+            </a:extLst>
+          </p:cNvPr>
+          <p:cNvPicPr>
+            <a:picLocks noChangeAspect="1"/>
+          </p:cNvPicPr>
+          <p:nvPr/>
+        </p:nvPicPr>
+        <p:blipFill>
+          <a:blip r:embed="rId2"/>
+          <a:stretch>
+            <a:fillRect/>
+          </a:stretch>
+        </p:blipFill>
+        <p:spPr>
+          <a:xfrm>
+            <a:off x="5191665" y="286789"/>
+            <a:ext cx="5174099" cy="6284422"/>
+          </a:xfrm>
+          <a:prstGeom prst="rect">
+            <a:avLst/>
+          </a:prstGeom>
+        </p:spPr>
+      </p:pic>
+    </p:spTree>
+    <p:extLst>
+      <p:ext uri="{BB962C8B-B14F-4D97-AF65-F5344CB8AC3E}">
+        <p14:creationId xmlns:p14="http://schemas.microsoft.com/office/powerpoint/2010/main" val="2881115854"/>
+      </p:ext>
+    </p:extLst>
+  </p:cSld>
+  <p:clrMapOvr>
+    <a:masterClrMapping/>
+  </p:clrMapOvr>
+</p:sld>
+</file>
+
+<file path=ppt/slides/slide8.xml><?xml version="1.0" encoding="utf-8"?>
+<p:sld xmlns:a="http://schemas.openxmlformats.org/drawingml/2006/main" xmlns:r="http://schemas.openxmlformats.org/officeDocument/2006/relationships" xmlns:p="http://schemas.openxmlformats.org/presentationml/2006/main">
+  <p:cSld>
+    <p:bg>
+      <p:bgPr>
+        <a:solidFill>
+          <a:schemeClr val="bg1"/>
+        </a:solidFill>
+        <a:effectLst/>
+      </p:bgPr>
+    </p:bg>
+    <p:spTree>
+      <p:nvGrpSpPr>
+        <p:cNvPr id="1" name=""/>
+        <p:cNvGrpSpPr/>
+        <p:nvPr/>
+      </p:nvGrpSpPr>
+      <p:grpSpPr>
+        <a:xfrm>
+          <a:off x="0" y="0"/>
+          <a:ext cx="0" cy="0"/>
+          <a:chOff x="0" y="0"/>
+          <a:chExt cx="0" cy="0"/>
+        </a:xfrm>
+      </p:grpSpPr>
+      <p:sp>
+        <p:nvSpPr>
+          <p:cNvPr id="9" name="Rectangle 8">
+            <a:extLst>
+              <a:ext uri="{FF2B5EF4-FFF2-40B4-BE49-F238E27FC236}">
+                <a16:creationId xmlns:a16="http://schemas.microsoft.com/office/drawing/2014/main" id="{DB8424AB-D56B-4256-866A-5B54DE93C20F}"/>
+              </a:ext>
+              <a:ext uri="{C183D7F6-B498-43B3-948B-1728B52AA6E4}">
+                <adec:decorative xmlns:adec="http://schemas.microsoft.com/office/drawing/2017/decorative" val="1"/>
+              </a:ext>
+            </a:extLst>
+          </p:cNvPr>
+          <p:cNvSpPr>
+            <a:spLocks noGrp="1" noRot="1" noChangeAspect="1" noMove="1" noResize="1" noEditPoints="1" noAdjustHandles="1" noChangeArrowheads="1" noChangeShapeType="1" noTextEdit="1"/>
+          </p:cNvSpPr>
+          <p:nvPr>
+            <p:extLst>
+              <p:ext uri="{386F3935-93C4-4BCD-93E2-E3B085C9AB24}">
+                <p16:designElem xmlns:p16="http://schemas.microsoft.com/office/powerpoint/2015/main" val="1"/>
+              </p:ext>
+            </p:extLst>
+          </p:nvPr>
+        </p:nvSpPr>
+        <p:spPr>
+          <a:xfrm>
+            <a:off x="0" y="761999"/>
+            <a:ext cx="9141619" cy="5334001"/>
+          </a:xfrm>
+          <a:prstGeom prst="rect">
+            <a:avLst/>
+          </a:prstGeom>
+          <a:solidFill>
+            <a:schemeClr val="accent1"/>
+          </a:solidFill>
+          <a:ln>
+            <a:noFill/>
+          </a:ln>
+        </p:spPr>
+        <p:style>
+          <a:lnRef idx="2">
+            <a:schemeClr val="accent1">
+              <a:shade val="50000"/>
+            </a:schemeClr>
+          </a:lnRef>
+          <a:fillRef idx="1">
+            <a:schemeClr val="accent1"/>
+          </a:fillRef>
+          <a:effectRef idx="0">
+            <a:schemeClr val="accent1"/>
+          </a:effectRef>
+          <a:fontRef idx="minor">
+            <a:schemeClr val="lt1"/>
+          </a:fontRef>
+        </p:style>
+      </p:sp>
+      <p:sp>
+        <p:nvSpPr>
+          <p:cNvPr id="11" name="Rectangle 10">
+            <a:extLst>
+              <a:ext uri="{FF2B5EF4-FFF2-40B4-BE49-F238E27FC236}">
+                <a16:creationId xmlns:a16="http://schemas.microsoft.com/office/drawing/2014/main" id="{FC999C28-AD33-4EB7-A5F1-C06D10A5FDF7}"/>
+              </a:ext>
+              <a:ext uri="{C183D7F6-B498-43B3-948B-1728B52AA6E4}">
+                <adec:decorative xmlns:adec="http://schemas.microsoft.com/office/drawing/2017/decorative" val="1"/>
+              </a:ext>
+            </a:extLst>
+          </p:cNvPr>
+          <p:cNvSpPr>
+            <a:spLocks noGrp="1" noRot="1" noChangeAspect="1" noMove="1" noResize="1" noEditPoints="1" noAdjustHandles="1" noChangeArrowheads="1" noChangeShapeType="1" noTextEdit="1"/>
+          </p:cNvSpPr>
+          <p:nvPr>
+            <p:extLst>
+              <p:ext uri="{386F3935-93C4-4BCD-93E2-E3B085C9AB24}">
+                <p16:designElem xmlns:p16="http://schemas.microsoft.com/office/powerpoint/2015/main" val="1"/>
+              </p:ext>
+            </p:extLst>
+          </p:nvPr>
+        </p:nvSpPr>
+        <p:spPr>
+          <a:xfrm>
+            <a:off x="9270263" y="761999"/>
+            <a:ext cx="2925318" cy="5334001"/>
+          </a:xfrm>
+          <a:prstGeom prst="rect">
+            <a:avLst/>
+          </a:prstGeom>
+          <a:solidFill>
+            <a:srgbClr val="C8C8C8">
+              <a:alpha val="49804"/>
+            </a:srgbClr>
+          </a:solidFill>
+          <a:ln>
+            <a:noFill/>
+          </a:ln>
+        </p:spPr>
+        <p:style>
+          <a:lnRef idx="2">
+            <a:schemeClr val="accent1">
+              <a:shade val="50000"/>
+            </a:schemeClr>
+          </a:lnRef>
+          <a:fillRef idx="1">
+            <a:schemeClr val="accent1"/>
+          </a:fillRef>
+          <a:effectRef idx="0">
+            <a:schemeClr val="accent1"/>
+          </a:effectRef>
+          <a:fontRef idx="minor">
+            <a:schemeClr val="lt1"/>
+          </a:fontRef>
+        </p:style>
+      </p:sp>
+      <p:sp useBgFill="1">
+        <p:nvSpPr>
+          <p:cNvPr id="13" name="Rectangle 12">
+            <a:extLst>
+              <a:ext uri="{FF2B5EF4-FFF2-40B4-BE49-F238E27FC236}">
+                <a16:creationId xmlns:a16="http://schemas.microsoft.com/office/drawing/2014/main" id="{0864E5C9-52C9-4572-AC75-548B9B9C2648}"/>
+              </a:ext>
+              <a:ext uri="{C183D7F6-B498-43B3-948B-1728B52AA6E4}">
+                <adec:decorative xmlns:adec="http://schemas.microsoft.com/office/drawing/2017/decorative" val="1"/>
+              </a:ext>
+            </a:extLst>
+          </p:cNvPr>
+          <p:cNvSpPr>
+            <a:spLocks noGrp="1" noRot="1" noChangeAspect="1" noMove="1" noResize="1" noEditPoints="1" noAdjustHandles="1" noChangeArrowheads="1" noChangeShapeType="1" noTextEdit="1"/>
+          </p:cNvSpPr>
+          <p:nvPr>
+            <p:extLst>
+              <p:ext uri="{386F3935-93C4-4BCD-93E2-E3B085C9AB24}">
+                <p16:designElem xmlns:p16="http://schemas.microsoft.com/office/powerpoint/2015/main" val="1"/>
+              </p:ext>
+            </p:extLst>
+          </p:nvPr>
+        </p:nvSpPr>
+        <p:spPr>
+          <a:xfrm>
+            <a:off x="0" y="0"/>
+            <a:ext cx="12191999" cy="6858000"/>
+          </a:xfrm>
+          <a:prstGeom prst="rect">
+            <a:avLst/>
+          </a:prstGeom>
+          <a:ln>
+            <a:noFill/>
+          </a:ln>
+        </p:spPr>
+        <p:style>
+          <a:lnRef idx="2">
+            <a:schemeClr val="accent1">
+              <a:shade val="50000"/>
+            </a:schemeClr>
+          </a:lnRef>
+          <a:fillRef idx="1">
+            <a:schemeClr val="accent1"/>
+          </a:fillRef>
+          <a:effectRef idx="0">
+            <a:schemeClr val="accent1"/>
+          </a:effectRef>
+          <a:fontRef idx="minor">
+            <a:schemeClr val="lt1"/>
+          </a:fontRef>
+        </p:style>
+        <p:txBody>
+          <a:bodyPr rtlCol="0" anchor="ctr"/>
+          <a:lstStyle/>
+          <a:p>
+            <a:pPr algn="ctr"/>
+            <a:endParaRPr lang="en-US"/>
+          </a:p>
+        </p:txBody>
+      </p:sp>
+      <p:sp>
+        <p:nvSpPr>
+          <p:cNvPr id="15" name="Rectangle 14">
+            <a:extLst>
+              <a:ext uri="{FF2B5EF4-FFF2-40B4-BE49-F238E27FC236}">
+                <a16:creationId xmlns:a16="http://schemas.microsoft.com/office/drawing/2014/main" id="{45CC6500-4DBD-4C34-BC14-2387FB483BEB}"/>
+              </a:ext>
+              <a:ext uri="{C183D7F6-B498-43B3-948B-1728B52AA6E4}">
+                <adec:decorative xmlns:adec="http://schemas.microsoft.com/office/drawing/2017/decorative" val="1"/>
+              </a:ext>
+            </a:extLst>
+          </p:cNvPr>
+          <p:cNvSpPr>
+            <a:spLocks noGrp="1" noRot="1" noChangeAspect="1" noMove="1" noResize="1" noEditPoints="1" noAdjustHandles="1" noChangeArrowheads="1" noChangeShapeType="1" noTextEdit="1"/>
+          </p:cNvSpPr>
+          <p:nvPr>
+            <p:extLst>
+              <p:ext uri="{386F3935-93C4-4BCD-93E2-E3B085C9AB24}">
+                <p16:designElem xmlns:p16="http://schemas.microsoft.com/office/powerpoint/2015/main" val="1"/>
+              </p:ext>
+            </p:extLst>
+          </p:nvPr>
+        </p:nvSpPr>
+        <p:spPr>
+          <a:xfrm>
+            <a:off x="1" y="761999"/>
+            <a:ext cx="4642228" cy="5334001"/>
+          </a:xfrm>
+          <a:prstGeom prst="rect">
+            <a:avLst/>
+          </a:prstGeom>
+          <a:solidFill>
+            <a:schemeClr val="accent1"/>
+          </a:solidFill>
+          <a:ln>
+            <a:noFill/>
+          </a:ln>
+        </p:spPr>
+        <p:style>
+          <a:lnRef idx="2">
+            <a:schemeClr val="accent1">
+              <a:shade val="50000"/>
+            </a:schemeClr>
+          </a:lnRef>
+          <a:fillRef idx="1">
+            <a:schemeClr val="accent1"/>
+          </a:fillRef>
+          <a:effectRef idx="0">
+            <a:schemeClr val="accent1"/>
+          </a:effectRef>
+          <a:fontRef idx="minor">
+            <a:schemeClr val="lt1"/>
+          </a:fontRef>
+        </p:style>
+      </p:sp>
+      <p:sp>
+        <p:nvSpPr>
+          <p:cNvPr id="2" name="Title 1">
+            <a:extLst>
+              <a:ext uri="{FF2B5EF4-FFF2-40B4-BE49-F238E27FC236}">
+                <a16:creationId xmlns:a16="http://schemas.microsoft.com/office/drawing/2014/main" id="{CB90ED96-7C1A-47FF-9F92-D416056F516B}"/>
+              </a:ext>
+            </a:extLst>
+          </p:cNvPr>
+          <p:cNvSpPr>
+            <a:spLocks noGrp="1"/>
+          </p:cNvSpPr>
+          <p:nvPr>
+            <p:ph type="title"/>
+          </p:nvPr>
+        </p:nvSpPr>
+        <p:spPr>
+          <a:xfrm>
+            <a:off x="261348" y="2118554"/>
+            <a:ext cx="5422097" cy="3615655"/>
+          </a:xfrm>
+        </p:spPr>
+        <p:txBody>
+          <a:bodyPr vert="horz" lIns="91440" tIns="45720" rIns="91440" bIns="45720" rtlCol="0" anchor="b">
+            <a:normAutofit fontScale="90000"/>
+          </a:bodyPr>
+          <a:lstStyle/>
+          <a:p>
+            <a:br>
+              <a:rPr lang="en-US" sz="5500" b="1" spc="-100" dirty="0"/>
+            </a:br>
+            <a:br>
+              <a:rPr lang="en-US" sz="5500" b="1" spc="-100" dirty="0"/>
+            </a:br>
+            <a:br>
+              <a:rPr lang="en-US" sz="5500" b="1" spc="-100" dirty="0"/>
+            </a:br>
+            <a:br>
+              <a:rPr lang="en-US" sz="5500" b="1" spc="-100" dirty="0"/>
+            </a:br>
+            <a:br>
+              <a:rPr lang="en-US" sz="5500" b="1" spc="-100" dirty="0"/>
+            </a:br>
+            <a:br>
+              <a:rPr lang="en-US" sz="5500" b="1" spc="-100" dirty="0"/>
+            </a:br>
+            <a:br>
+              <a:rPr lang="en-US" sz="5500" b="1" spc="-100" dirty="0"/>
+            </a:br>
+            <a:br>
+              <a:rPr lang="en-US" sz="5500" b="1" spc="-100" dirty="0"/>
+            </a:br>
+            <a:br>
+              <a:rPr lang="en-US" sz="5500" b="1" spc="-100" dirty="0"/>
+            </a:br>
+            <a:br>
+              <a:rPr lang="en-US" sz="5500" b="1" spc="-100" dirty="0"/>
+            </a:br>
+            <a:br>
+              <a:rPr lang="en-US" sz="5500" b="1" spc="-100" dirty="0"/>
+            </a:br>
+            <a:br>
+              <a:rPr lang="en-US" sz="5500" b="1" spc="-100" dirty="0"/>
+            </a:br>
+            <a:br>
+              <a:rPr lang="en-US" sz="5300" b="1" spc="-100" dirty="0"/>
+            </a:br>
+            <a:r>
+              <a:rPr lang="en-US" sz="5300" b="1" spc="-100" dirty="0"/>
+              <a:t>RESOLUCIÓN</a:t>
+            </a:r>
+            <a:br>
+              <a:rPr lang="en-US" sz="5500" b="1" spc="-100" dirty="0"/>
+            </a:br>
+            <a:br>
+              <a:rPr lang="en-US" sz="5500" b="1" spc="-100" dirty="0"/>
+            </a:br>
+            <a:endParaRPr lang="en-US" sz="5500" b="1" spc="-100" dirty="0"/>
+          </a:p>
+        </p:txBody>
+      </p:sp>
+      <p:sp>
+        <p:nvSpPr>
+          <p:cNvPr id="17" name="Rectangle 16">
+            <a:extLst>
+              <a:ext uri="{FF2B5EF4-FFF2-40B4-BE49-F238E27FC236}">
+                <a16:creationId xmlns:a16="http://schemas.microsoft.com/office/drawing/2014/main" id="{4E34A3B6-BAD2-4156-BDC6-4736248BFDE0}"/>
+              </a:ext>
+              <a:ext uri="{C183D7F6-B498-43B3-948B-1728B52AA6E4}">
+                <adec:decorative xmlns:adec="http://schemas.microsoft.com/office/drawing/2017/decorative" val="1"/>
+              </a:ext>
+            </a:extLst>
+          </p:cNvPr>
+          <p:cNvSpPr>
+            <a:spLocks noGrp="1" noRot="1" noChangeAspect="1" noMove="1" noResize="1" noEditPoints="1" noAdjustHandles="1" noChangeArrowheads="1" noChangeShapeType="1" noTextEdit="1"/>
+          </p:cNvSpPr>
+          <p:nvPr>
+            <p:extLst>
+              <p:ext uri="{386F3935-93C4-4BCD-93E2-E3B085C9AB24}">
+                <p16:designElem xmlns:p16="http://schemas.microsoft.com/office/powerpoint/2015/main" val="1"/>
+              </p:ext>
+            </p:extLst>
+          </p:nvPr>
+        </p:nvSpPr>
+        <p:spPr>
+          <a:xfrm>
+            <a:off x="11815864" y="758952"/>
+            <a:ext cx="384048" cy="5330952"/>
+          </a:xfrm>
+          <a:prstGeom prst="rect">
+            <a:avLst/>
+          </a:prstGeom>
+          <a:solidFill>
+            <a:srgbClr val="C8C8C8">
+              <a:alpha val="49804"/>
+            </a:srgbClr>
+          </a:solidFill>
+          <a:ln>
+            <a:noFill/>
+          </a:ln>
+        </p:spPr>
+        <p:style>
+          <a:lnRef idx="2">
+            <a:schemeClr val="accent1">
+              <a:shade val="50000"/>
+            </a:schemeClr>
+          </a:lnRef>
+          <a:fillRef idx="1">
+            <a:schemeClr val="accent1"/>
+          </a:fillRef>
+          <a:effectRef idx="0">
+            <a:schemeClr val="accent1"/>
+          </a:effectRef>
+          <a:fontRef idx="minor">
+            <a:schemeClr val="lt1"/>
+          </a:fontRef>
+        </p:style>
+      </p:sp>
+      <p:sp>
+        <p:nvSpPr>
+          <p:cNvPr id="3" name="CuadroTexto 2">
+            <a:extLst>
+              <a:ext uri="{FF2B5EF4-FFF2-40B4-BE49-F238E27FC236}">
+                <a16:creationId xmlns:a16="http://schemas.microsoft.com/office/drawing/2014/main" id="{1B760E71-EBCA-411D-A0A3-F4D6EB1241AB}"/>
+              </a:ext>
+            </a:extLst>
+          </p:cNvPr>
+          <p:cNvSpPr txBox="1"/>
+          <p:nvPr/>
+        </p:nvSpPr>
+        <p:spPr>
+          <a:xfrm>
+            <a:off x="290806" y="894989"/>
+            <a:ext cx="3665989" cy="923330"/>
+          </a:xfrm>
+          <a:prstGeom prst="rect">
+            <a:avLst/>
+          </a:prstGeom>
+          <a:noFill/>
+        </p:spPr>
+        <p:txBody>
+          <a:bodyPr wrap="square" rtlCol="0">
+            <a:spAutoFit/>
+          </a:bodyPr>
+          <a:lstStyle/>
+          <a:p>
+            <a:r>
+              <a:rPr lang="es-ES" sz="5400" b="1" dirty="0">
+                <a:solidFill>
+                  <a:schemeClr val="bg1"/>
+                </a:solidFill>
+              </a:rPr>
+              <a:t>Ejercicio 02</a:t>
+            </a:r>
+          </a:p>
+        </p:txBody>
+      </p:sp>
+      <p:sp>
+        <p:nvSpPr>
+          <p:cNvPr id="10" name="CuadroTexto 9">
+            <a:extLst>
+              <a:ext uri="{FF2B5EF4-FFF2-40B4-BE49-F238E27FC236}">
+                <a16:creationId xmlns:a16="http://schemas.microsoft.com/office/drawing/2014/main" id="{2514C909-427C-4D8B-A8A9-FE17832B28B3}"/>
+              </a:ext>
+            </a:extLst>
+          </p:cNvPr>
+          <p:cNvSpPr txBox="1"/>
+          <p:nvPr/>
+        </p:nvSpPr>
+        <p:spPr>
+          <a:xfrm>
+            <a:off x="4642229" y="1325876"/>
+            <a:ext cx="7344600" cy="3416320"/>
+          </a:xfrm>
+          <a:prstGeom prst="rect">
+            <a:avLst/>
+          </a:prstGeom>
+          <a:noFill/>
+        </p:spPr>
+        <p:txBody>
+          <a:bodyPr wrap="square" rtlCol="0">
+            <a:spAutoFit/>
+          </a:bodyPr>
+          <a:lstStyle/>
+          <a:p>
+            <a:r>
+              <a:rPr lang="es-ES" sz="2400" dirty="0"/>
+              <a:t>Reemplazar: (-40.250 x 0`18) + (-25.050 x 0`82) = -27.788</a:t>
+            </a:r>
+          </a:p>
+          <a:p>
+            <a:endParaRPr lang="es-ES" sz="2400" dirty="0"/>
+          </a:p>
+          <a:p>
+            <a:r>
+              <a:rPr lang="es-ES" sz="2400" dirty="0"/>
+              <a:t>Reparar: (-10.700 x 0`18) + (-650 x 0`82) = -2.459</a:t>
+            </a:r>
+          </a:p>
+          <a:p>
+            <a:endParaRPr lang="es-ES" sz="2400" dirty="0"/>
+          </a:p>
+          <a:p>
+            <a:r>
+              <a:rPr lang="es-ES" sz="2400" dirty="0"/>
+              <a:t>Mantenimiento: -20.000</a:t>
+            </a:r>
+          </a:p>
+          <a:p>
+            <a:endParaRPr lang="es-ES" sz="2400" dirty="0"/>
+          </a:p>
+          <a:p>
+            <a:endParaRPr lang="es-ES" sz="2400" dirty="0"/>
+          </a:p>
+          <a:p>
+            <a:r>
+              <a:rPr lang="es-ES" sz="2400" dirty="0"/>
+              <a:t>Concluimos que lo mejor es </a:t>
+            </a:r>
+            <a:r>
+              <a:rPr lang="es-ES" sz="2400" b="1" u="sng" dirty="0"/>
+              <a:t>reparar</a:t>
+            </a:r>
+            <a:r>
+              <a:rPr lang="es-ES" sz="2400" dirty="0"/>
+              <a:t> la avería cuando se de. Al menos de cara a dos años.</a:t>
+            </a:r>
+          </a:p>
+        </p:txBody>
+      </p:sp>
+    </p:spTree>
+    <p:extLst>
+      <p:ext uri="{BB962C8B-B14F-4D97-AF65-F5344CB8AC3E}">
+        <p14:creationId xmlns:p14="http://schemas.microsoft.com/office/powerpoint/2010/main" val="3915455760"/>
+      </p:ext>
+    </p:extLst>
+  </p:cSld>
+  <p:clrMapOvr>
+    <a:masterClrMapping/>
+  </p:clrMapOvr>
+</p:sld>
+</file>
+
+<file path=ppt/slides/slide9.xml><?xml version="1.0" encoding="utf-8"?>
 <p:sld xmlns:a="http://schemas.openxmlformats.org/drawingml/2006/main" xmlns:r="http://schemas.openxmlformats.org/officeDocument/2006/relationships" xmlns:p="http://schemas.openxmlformats.org/presentationml/2006/main">
   <p:cSld>
     <p:bg>
@@ -5453,7 +6550,14 @@
             </a:br>
             <a:r>
               <a:rPr lang="en-US" sz="5500" b="1" spc="-100" dirty="0"/>
-              <a:t>RESOLUCIÓN</a:t>
+              <a:t>DIAGRAMA DE</a:t>
+            </a:r>
+            <a:br>
+              <a:rPr lang="en-US" sz="5500" b="1" spc="-100" dirty="0"/>
+            </a:br>
+            <a:r>
+              <a:rPr lang="en-US" sz="5500" b="1" spc="-100" dirty="0"/>
+              <a:t>INFLUENCIA</a:t>
             </a:r>
             <a:br>
               <a:rPr lang="en-US" sz="5500" b="1" spc="-100" dirty="0"/>
@@ -5537,7 +6641,7 @@
         <p:spPr>
           <a:xfrm>
             <a:off x="290806" y="894989"/>
-            <a:ext cx="3665989" cy="861774"/>
+            <a:ext cx="3873870" cy="1015663"/>
           </a:xfrm>
           <a:prstGeom prst="rect">
             <a:avLst/>
@@ -5551,7 +6655,7 @@
           <a:lstStyle/>
           <a:p>
             <a:r>
-              <a:rPr lang="es-ES" sz="5000" b="1" dirty="0">
+              <a:rPr lang="es-ES" sz="6000" b="1" dirty="0">
                 <a:solidFill>
                   <a:schemeClr val="bg1"/>
                 </a:solidFill>
@@ -5561,890 +6665,40 @@
           </a:p>
         </p:txBody>
       </p:sp>
-      <p:sp>
-        <p:nvSpPr>
-          <p:cNvPr id="10" name="CuadroTexto 9">
+      <p:pic>
+        <p:nvPicPr>
+          <p:cNvPr id="5" name="Picture 4" descr="A close up of a map&#10;&#10;Description automatically generated">
             <a:extLst>
               <a:ext uri="{FF2B5EF4-FFF2-40B4-BE49-F238E27FC236}">
-                <a16:creationId xmlns:a16="http://schemas.microsoft.com/office/drawing/2014/main" id="{2514C909-427C-4D8B-A8A9-FE17832B28B3}"/>
+                <a16:creationId xmlns:a16="http://schemas.microsoft.com/office/drawing/2014/main" id="{41C35C42-B91D-43B0-A02F-BDBE9BB71EBE}"/>
               </a:ext>
             </a:extLst>
           </p:cNvPr>
-          <p:cNvSpPr txBox="1"/>
+          <p:cNvPicPr>
+            <a:picLocks noChangeAspect="1"/>
+          </p:cNvPicPr>
           <p:nvPr/>
-        </p:nvSpPr>
-        <p:spPr>
-          <a:xfrm>
-            <a:off x="4586052" y="1325876"/>
-            <a:ext cx="7678653" cy="3416320"/>
+        </p:nvPicPr>
+        <p:blipFill>
+          <a:blip r:embed="rId2"/>
+          <a:stretch>
+            <a:fillRect/>
+          </a:stretch>
+        </p:blipFill>
+        <p:spPr>
+          <a:xfrm>
+            <a:off x="5604219" y="1123791"/>
+            <a:ext cx="5506941" cy="4391222"/>
           </a:xfrm>
           <a:prstGeom prst="rect">
             <a:avLst/>
           </a:prstGeom>
-          <a:noFill/>
-        </p:spPr>
-        <p:txBody>
-          <a:bodyPr wrap="square" rtlCol="0">
-            <a:spAutoFit/>
-          </a:bodyPr>
-          <a:lstStyle/>
-          <a:p>
-            <a:r>
-              <a:rPr lang="es-ES" sz="2400" dirty="0"/>
-              <a:t>Reemplazar: (-40.250 x 0`18) + (-25.050 x 0`82) = -27.788</a:t>
-            </a:r>
-          </a:p>
-          <a:p>
-            <a:endParaRPr lang="es-ES" sz="2400" dirty="0"/>
-          </a:p>
-          <a:p>
-            <a:r>
-              <a:rPr lang="es-ES" sz="2400" dirty="0"/>
-              <a:t>Reparar: (-10.700 x 0`18) + (-650 x 0`82) = -2.459</a:t>
-            </a:r>
-          </a:p>
-          <a:p>
-            <a:endParaRPr lang="es-ES" sz="2400" dirty="0"/>
-          </a:p>
-          <a:p>
-            <a:r>
-              <a:rPr lang="es-ES" sz="2400" dirty="0"/>
-              <a:t>Mantenimiento: -20.000</a:t>
-            </a:r>
-          </a:p>
-          <a:p>
-            <a:endParaRPr lang="es-ES" sz="2400" dirty="0"/>
-          </a:p>
-          <a:p>
-            <a:endParaRPr lang="es-ES" sz="2400" dirty="0"/>
-          </a:p>
-          <a:p>
-            <a:r>
-              <a:rPr lang="es-ES" sz="2400" dirty="0"/>
-              <a:t>Concluimos que lo mejor es </a:t>
-            </a:r>
-            <a:r>
-              <a:rPr lang="es-ES" sz="2400" b="1" u="sng" dirty="0"/>
-              <a:t>reparar</a:t>
-            </a:r>
-            <a:r>
-              <a:rPr lang="es-ES" sz="2400" dirty="0"/>
-              <a:t> la avería cuando se dé. Al menos de cara a dos años.</a:t>
-            </a:r>
-          </a:p>
-        </p:txBody>
-      </p:sp>
-    </p:spTree>
-    <p:extLst>
-      <p:ext uri="{BB962C8B-B14F-4D97-AF65-F5344CB8AC3E}">
-        <p14:creationId xmlns:p14="http://schemas.microsoft.com/office/powerpoint/2010/main" val="3915455760"/>
-      </p:ext>
-    </p:extLst>
-  </p:cSld>
-  <p:clrMapOvr>
-    <a:masterClrMapping/>
-  </p:clrMapOvr>
-</p:sld>
-</file>
-
-<file path=ppt/slides/slide6.xml><?xml version="1.0" encoding="utf-8"?>
-<p:sld xmlns:a="http://schemas.openxmlformats.org/drawingml/2006/main" xmlns:r="http://schemas.openxmlformats.org/officeDocument/2006/relationships" xmlns:p="http://schemas.openxmlformats.org/presentationml/2006/main">
-  <p:cSld>
-    <p:bg>
-      <p:bgPr>
-        <a:solidFill>
-          <a:schemeClr val="bg1"/>
-        </a:solidFill>
-        <a:effectLst/>
-      </p:bgPr>
-    </p:bg>
-    <p:spTree>
-      <p:nvGrpSpPr>
-        <p:cNvPr id="1" name=""/>
-        <p:cNvGrpSpPr/>
-        <p:nvPr/>
-      </p:nvGrpSpPr>
-      <p:grpSpPr>
-        <a:xfrm>
-          <a:off x="0" y="0"/>
-          <a:ext cx="0" cy="0"/>
-          <a:chOff x="0" y="0"/>
-          <a:chExt cx="0" cy="0"/>
-        </a:xfrm>
-      </p:grpSpPr>
-      <p:sp>
-        <p:nvSpPr>
-          <p:cNvPr id="9" name="Rectangle 8">
-            <a:extLst>
-              <a:ext uri="{FF2B5EF4-FFF2-40B4-BE49-F238E27FC236}">
-                <a16:creationId xmlns:a16="http://schemas.microsoft.com/office/drawing/2014/main" id="{DB8424AB-D56B-4256-866A-5B54DE93C20F}"/>
-              </a:ext>
-              <a:ext uri="{C183D7F6-B498-43B3-948B-1728B52AA6E4}">
-                <adec:decorative xmlns:adec="http://schemas.microsoft.com/office/drawing/2017/decorative" val="1"/>
-              </a:ext>
-            </a:extLst>
-          </p:cNvPr>
-          <p:cNvSpPr>
-            <a:spLocks noGrp="1" noRot="1" noChangeAspect="1" noMove="1" noResize="1" noEditPoints="1" noAdjustHandles="1" noChangeArrowheads="1" noChangeShapeType="1" noTextEdit="1"/>
-          </p:cNvSpPr>
-          <p:nvPr>
-            <p:extLst>
-              <p:ext uri="{386F3935-93C4-4BCD-93E2-E3B085C9AB24}">
-                <p16:designElem xmlns:p16="http://schemas.microsoft.com/office/powerpoint/2015/main" val="1"/>
-              </p:ext>
-            </p:extLst>
-          </p:nvPr>
-        </p:nvSpPr>
-        <p:spPr>
-          <a:xfrm>
-            <a:off x="0" y="761999"/>
-            <a:ext cx="9141619" cy="5334001"/>
-          </a:xfrm>
-          <a:prstGeom prst="rect">
-            <a:avLst/>
-          </a:prstGeom>
-          <a:solidFill>
-            <a:schemeClr val="accent1"/>
-          </a:solidFill>
-          <a:ln>
-            <a:noFill/>
-          </a:ln>
-        </p:spPr>
-        <p:style>
-          <a:lnRef idx="2">
-            <a:schemeClr val="accent1">
-              <a:shade val="50000"/>
-            </a:schemeClr>
-          </a:lnRef>
-          <a:fillRef idx="1">
-            <a:schemeClr val="accent1"/>
-          </a:fillRef>
-          <a:effectRef idx="0">
-            <a:schemeClr val="accent1"/>
-          </a:effectRef>
-          <a:fontRef idx="minor">
-            <a:schemeClr val="lt1"/>
-          </a:fontRef>
-        </p:style>
-      </p:sp>
-      <p:sp>
-        <p:nvSpPr>
-          <p:cNvPr id="11" name="Rectangle 10">
-            <a:extLst>
-              <a:ext uri="{FF2B5EF4-FFF2-40B4-BE49-F238E27FC236}">
-                <a16:creationId xmlns:a16="http://schemas.microsoft.com/office/drawing/2014/main" id="{FC999C28-AD33-4EB7-A5F1-C06D10A5FDF7}"/>
-              </a:ext>
-              <a:ext uri="{C183D7F6-B498-43B3-948B-1728B52AA6E4}">
-                <adec:decorative xmlns:adec="http://schemas.microsoft.com/office/drawing/2017/decorative" val="1"/>
-              </a:ext>
-            </a:extLst>
-          </p:cNvPr>
-          <p:cNvSpPr>
-            <a:spLocks noGrp="1" noRot="1" noChangeAspect="1" noMove="1" noResize="1" noEditPoints="1" noAdjustHandles="1" noChangeArrowheads="1" noChangeShapeType="1" noTextEdit="1"/>
-          </p:cNvSpPr>
-          <p:nvPr>
-            <p:extLst>
-              <p:ext uri="{386F3935-93C4-4BCD-93E2-E3B085C9AB24}">
-                <p16:designElem xmlns:p16="http://schemas.microsoft.com/office/powerpoint/2015/main" val="1"/>
-              </p:ext>
-            </p:extLst>
-          </p:nvPr>
-        </p:nvSpPr>
-        <p:spPr>
-          <a:xfrm>
-            <a:off x="9270263" y="761999"/>
-            <a:ext cx="2925318" cy="5334001"/>
-          </a:xfrm>
-          <a:prstGeom prst="rect">
-            <a:avLst/>
-          </a:prstGeom>
-          <a:solidFill>
-            <a:srgbClr val="C8C8C8">
-              <a:alpha val="49804"/>
-            </a:srgbClr>
-          </a:solidFill>
-          <a:ln>
-            <a:noFill/>
-          </a:ln>
-        </p:spPr>
-        <p:style>
-          <a:lnRef idx="2">
-            <a:schemeClr val="accent1">
-              <a:shade val="50000"/>
-            </a:schemeClr>
-          </a:lnRef>
-          <a:fillRef idx="1">
-            <a:schemeClr val="accent1"/>
-          </a:fillRef>
-          <a:effectRef idx="0">
-            <a:schemeClr val="accent1"/>
-          </a:effectRef>
-          <a:fontRef idx="minor">
-            <a:schemeClr val="lt1"/>
-          </a:fontRef>
-        </p:style>
-      </p:sp>
-      <p:sp useBgFill="1">
-        <p:nvSpPr>
-          <p:cNvPr id="13" name="Rectangle 12">
-            <a:extLst>
-              <a:ext uri="{FF2B5EF4-FFF2-40B4-BE49-F238E27FC236}">
-                <a16:creationId xmlns:a16="http://schemas.microsoft.com/office/drawing/2014/main" id="{0864E5C9-52C9-4572-AC75-548B9B9C2648}"/>
-              </a:ext>
-              <a:ext uri="{C183D7F6-B498-43B3-948B-1728B52AA6E4}">
-                <adec:decorative xmlns:adec="http://schemas.microsoft.com/office/drawing/2017/decorative" val="1"/>
-              </a:ext>
-            </a:extLst>
-          </p:cNvPr>
-          <p:cNvSpPr>
-            <a:spLocks noGrp="1" noRot="1" noChangeAspect="1" noMove="1" noResize="1" noEditPoints="1" noAdjustHandles="1" noChangeArrowheads="1" noChangeShapeType="1" noTextEdit="1"/>
-          </p:cNvSpPr>
-          <p:nvPr>
-            <p:extLst>
-              <p:ext uri="{386F3935-93C4-4BCD-93E2-E3B085C9AB24}">
-                <p16:designElem xmlns:p16="http://schemas.microsoft.com/office/powerpoint/2015/main" val="1"/>
-              </p:ext>
-            </p:extLst>
-          </p:nvPr>
-        </p:nvSpPr>
-        <p:spPr>
-          <a:xfrm>
-            <a:off x="0" y="0"/>
-            <a:ext cx="12191999" cy="6858000"/>
-          </a:xfrm>
-          <a:prstGeom prst="rect">
-            <a:avLst/>
-          </a:prstGeom>
-          <a:ln>
-            <a:noFill/>
-          </a:ln>
-        </p:spPr>
-        <p:style>
-          <a:lnRef idx="2">
-            <a:schemeClr val="accent1">
-              <a:shade val="50000"/>
-            </a:schemeClr>
-          </a:lnRef>
-          <a:fillRef idx="1">
-            <a:schemeClr val="accent1"/>
-          </a:fillRef>
-          <a:effectRef idx="0">
-            <a:schemeClr val="accent1"/>
-          </a:effectRef>
-          <a:fontRef idx="minor">
-            <a:schemeClr val="lt1"/>
-          </a:fontRef>
-        </p:style>
-        <p:txBody>
-          <a:bodyPr rtlCol="0" anchor="ctr"/>
-          <a:lstStyle/>
-          <a:p>
-            <a:pPr algn="ctr"/>
-            <a:endParaRPr lang="en-US"/>
-          </a:p>
-        </p:txBody>
-      </p:sp>
-      <p:sp>
-        <p:nvSpPr>
-          <p:cNvPr id="15" name="Rectangle 14">
-            <a:extLst>
-              <a:ext uri="{FF2B5EF4-FFF2-40B4-BE49-F238E27FC236}">
-                <a16:creationId xmlns:a16="http://schemas.microsoft.com/office/drawing/2014/main" id="{45CC6500-4DBD-4C34-BC14-2387FB483BEB}"/>
-              </a:ext>
-              <a:ext uri="{C183D7F6-B498-43B3-948B-1728B52AA6E4}">
-                <adec:decorative xmlns:adec="http://schemas.microsoft.com/office/drawing/2017/decorative" val="1"/>
-              </a:ext>
-            </a:extLst>
-          </p:cNvPr>
-          <p:cNvSpPr>
-            <a:spLocks noGrp="1" noRot="1" noChangeAspect="1" noMove="1" noResize="1" noEditPoints="1" noAdjustHandles="1" noChangeArrowheads="1" noChangeShapeType="1" noTextEdit="1"/>
-          </p:cNvSpPr>
-          <p:nvPr>
-            <p:extLst>
-              <p:ext uri="{386F3935-93C4-4BCD-93E2-E3B085C9AB24}">
-                <p16:designElem xmlns:p16="http://schemas.microsoft.com/office/powerpoint/2015/main" val="1"/>
-              </p:ext>
-            </p:extLst>
-          </p:nvPr>
-        </p:nvSpPr>
-        <p:spPr>
-          <a:xfrm>
-            <a:off x="1" y="761999"/>
-            <a:ext cx="4642228" cy="5334001"/>
-          </a:xfrm>
-          <a:prstGeom prst="rect">
-            <a:avLst/>
-          </a:prstGeom>
-          <a:solidFill>
-            <a:schemeClr val="accent1"/>
-          </a:solidFill>
-          <a:ln>
-            <a:noFill/>
-          </a:ln>
-        </p:spPr>
-        <p:style>
-          <a:lnRef idx="2">
-            <a:schemeClr val="accent1">
-              <a:shade val="50000"/>
-            </a:schemeClr>
-          </a:lnRef>
-          <a:fillRef idx="1">
-            <a:schemeClr val="accent1"/>
-          </a:fillRef>
-          <a:effectRef idx="0">
-            <a:schemeClr val="accent1"/>
-          </a:effectRef>
-          <a:fontRef idx="minor">
-            <a:schemeClr val="lt1"/>
-          </a:fontRef>
-        </p:style>
-      </p:sp>
-      <p:sp>
-        <p:nvSpPr>
-          <p:cNvPr id="2" name="Title 1">
-            <a:extLst>
-              <a:ext uri="{FF2B5EF4-FFF2-40B4-BE49-F238E27FC236}">
-                <a16:creationId xmlns:a16="http://schemas.microsoft.com/office/drawing/2014/main" id="{CB90ED96-7C1A-47FF-9F92-D416056F516B}"/>
-              </a:ext>
-            </a:extLst>
-          </p:cNvPr>
-          <p:cNvSpPr>
-            <a:spLocks noGrp="1"/>
-          </p:cNvSpPr>
-          <p:nvPr>
-            <p:ph type="title"/>
-          </p:nvPr>
-        </p:nvSpPr>
-        <p:spPr>
-          <a:xfrm>
-            <a:off x="261348" y="2118554"/>
-            <a:ext cx="5422097" cy="3615655"/>
-          </a:xfrm>
-        </p:spPr>
-        <p:txBody>
-          <a:bodyPr vert="horz" lIns="91440" tIns="45720" rIns="91440" bIns="45720" rtlCol="0" anchor="b">
-            <a:normAutofit fontScale="90000"/>
-          </a:bodyPr>
-          <a:lstStyle/>
-          <a:p>
-            <a:br>
-              <a:rPr lang="en-US" sz="5500" b="1" spc="-100" dirty="0"/>
-            </a:br>
-            <a:br>
-              <a:rPr lang="en-US" sz="5500" b="1" spc="-100" dirty="0"/>
-            </a:br>
-            <a:br>
-              <a:rPr lang="en-US" sz="5500" b="1" spc="-100" dirty="0"/>
-            </a:br>
-            <a:br>
-              <a:rPr lang="en-US" sz="5500" b="1" spc="-100" dirty="0"/>
-            </a:br>
-            <a:br>
-              <a:rPr lang="en-US" sz="5500" b="1" spc="-100" dirty="0"/>
-            </a:br>
-            <a:br>
-              <a:rPr lang="en-US" sz="5500" b="1" spc="-100" dirty="0"/>
-            </a:br>
-            <a:br>
-              <a:rPr lang="en-US" sz="5500" b="1" spc="-100" dirty="0"/>
-            </a:br>
-            <a:br>
-              <a:rPr lang="en-US" sz="5500" b="1" spc="-100" dirty="0"/>
-            </a:br>
-            <a:br>
-              <a:rPr lang="en-US" sz="5500" b="1" spc="-100" dirty="0"/>
-            </a:br>
-            <a:br>
-              <a:rPr lang="en-US" sz="5500" b="1" spc="-100" dirty="0"/>
-            </a:br>
-            <a:br>
-              <a:rPr lang="en-US" sz="5500" b="1" spc="-100" dirty="0"/>
-            </a:br>
-            <a:br>
-              <a:rPr lang="en-US" sz="5500" b="1" spc="-100" dirty="0"/>
-            </a:br>
-            <a:br>
-              <a:rPr lang="en-US" sz="5500" b="1" spc="-100" dirty="0"/>
-            </a:br>
-            <a:r>
-              <a:rPr lang="en-US" sz="5500" b="1" spc="-100" dirty="0"/>
-              <a:t>DIAGRAMA DE</a:t>
-            </a:r>
-            <a:br>
-              <a:rPr lang="en-US" sz="5500" b="1" spc="-100" dirty="0"/>
-            </a:br>
-            <a:r>
-              <a:rPr lang="en-US" sz="5500" b="1" spc="-100" dirty="0"/>
-              <a:t>INFLUENCIA</a:t>
-            </a:r>
-            <a:br>
-              <a:rPr lang="en-US" sz="5500" b="1" spc="-100" dirty="0"/>
-            </a:br>
-            <a:br>
-              <a:rPr lang="en-US" sz="5500" b="1" spc="-100" dirty="0"/>
-            </a:br>
-            <a:endParaRPr lang="en-US" sz="5500" b="1" spc="-100" dirty="0"/>
-          </a:p>
-        </p:txBody>
-      </p:sp>
-      <p:sp>
-        <p:nvSpPr>
-          <p:cNvPr id="17" name="Rectangle 16">
-            <a:extLst>
-              <a:ext uri="{FF2B5EF4-FFF2-40B4-BE49-F238E27FC236}">
-                <a16:creationId xmlns:a16="http://schemas.microsoft.com/office/drawing/2014/main" id="{4E34A3B6-BAD2-4156-BDC6-4736248BFDE0}"/>
-              </a:ext>
-              <a:ext uri="{C183D7F6-B498-43B3-948B-1728B52AA6E4}">
-                <adec:decorative xmlns:adec="http://schemas.microsoft.com/office/drawing/2017/decorative" val="1"/>
-              </a:ext>
-            </a:extLst>
-          </p:cNvPr>
-          <p:cNvSpPr>
-            <a:spLocks noGrp="1" noRot="1" noChangeAspect="1" noMove="1" noResize="1" noEditPoints="1" noAdjustHandles="1" noChangeArrowheads="1" noChangeShapeType="1" noTextEdit="1"/>
-          </p:cNvSpPr>
-          <p:nvPr>
-            <p:extLst>
-              <p:ext uri="{386F3935-93C4-4BCD-93E2-E3B085C9AB24}">
-                <p16:designElem xmlns:p16="http://schemas.microsoft.com/office/powerpoint/2015/main" val="1"/>
-              </p:ext>
-            </p:extLst>
-          </p:nvPr>
-        </p:nvSpPr>
-        <p:spPr>
-          <a:xfrm>
-            <a:off x="11815864" y="758952"/>
-            <a:ext cx="384048" cy="5330952"/>
-          </a:xfrm>
-          <a:prstGeom prst="rect">
-            <a:avLst/>
-          </a:prstGeom>
-          <a:solidFill>
-            <a:srgbClr val="C8C8C8">
-              <a:alpha val="49804"/>
-            </a:srgbClr>
-          </a:solidFill>
-          <a:ln>
-            <a:noFill/>
-          </a:ln>
-        </p:spPr>
-        <p:style>
-          <a:lnRef idx="2">
-            <a:schemeClr val="accent1">
-              <a:shade val="50000"/>
-            </a:schemeClr>
-          </a:lnRef>
-          <a:fillRef idx="1">
-            <a:schemeClr val="accent1"/>
-          </a:fillRef>
-          <a:effectRef idx="0">
-            <a:schemeClr val="accent1"/>
-          </a:effectRef>
-          <a:fontRef idx="minor">
-            <a:schemeClr val="lt1"/>
-          </a:fontRef>
-        </p:style>
-      </p:sp>
-      <p:sp>
-        <p:nvSpPr>
-          <p:cNvPr id="3" name="CuadroTexto 2">
-            <a:extLst>
-              <a:ext uri="{FF2B5EF4-FFF2-40B4-BE49-F238E27FC236}">
-                <a16:creationId xmlns:a16="http://schemas.microsoft.com/office/drawing/2014/main" id="{1B760E71-EBCA-411D-A0A3-F4D6EB1241AB}"/>
-              </a:ext>
-            </a:extLst>
-          </p:cNvPr>
-          <p:cNvSpPr txBox="1"/>
-          <p:nvPr/>
-        </p:nvSpPr>
-        <p:spPr>
-          <a:xfrm>
-            <a:off x="290806" y="894989"/>
-            <a:ext cx="3665989" cy="861774"/>
-          </a:xfrm>
-          <a:prstGeom prst="rect">
-            <a:avLst/>
-          </a:prstGeom>
-          <a:noFill/>
-        </p:spPr>
-        <p:txBody>
-          <a:bodyPr wrap="square" rtlCol="0">
-            <a:spAutoFit/>
-          </a:bodyPr>
-          <a:lstStyle/>
-          <a:p>
-            <a:r>
-              <a:rPr lang="es-ES" sz="5000" b="1" dirty="0">
-                <a:solidFill>
-                  <a:schemeClr val="bg1"/>
-                </a:solidFill>
-              </a:rPr>
-              <a:t>Ejercicio 02</a:t>
-            </a:r>
-          </a:p>
-        </p:txBody>
-      </p:sp>
+        </p:spPr>
+      </p:pic>
     </p:spTree>
     <p:extLst>
       <p:ext uri="{BB962C8B-B14F-4D97-AF65-F5344CB8AC3E}">
         <p14:creationId xmlns:p14="http://schemas.microsoft.com/office/powerpoint/2010/main" val="3069586424"/>
-      </p:ext>
-    </p:extLst>
-  </p:cSld>
-  <p:clrMapOvr>
-    <a:masterClrMapping/>
-  </p:clrMapOvr>
-</p:sld>
-</file>
-
-<file path=ppt/slides/slide7.xml><?xml version="1.0" encoding="utf-8"?>
-<p:sld xmlns:a="http://schemas.openxmlformats.org/drawingml/2006/main" xmlns:r="http://schemas.openxmlformats.org/officeDocument/2006/relationships" xmlns:p="http://schemas.openxmlformats.org/presentationml/2006/main">
-  <p:cSld>
-    <p:bg>
-      <p:bgPr>
-        <a:solidFill>
-          <a:schemeClr val="bg1"/>
-        </a:solidFill>
-        <a:effectLst/>
-      </p:bgPr>
-    </p:bg>
-    <p:spTree>
-      <p:nvGrpSpPr>
-        <p:cNvPr id="1" name=""/>
-        <p:cNvGrpSpPr/>
-        <p:nvPr/>
-      </p:nvGrpSpPr>
-      <p:grpSpPr>
-        <a:xfrm>
-          <a:off x="0" y="0"/>
-          <a:ext cx="0" cy="0"/>
-          <a:chOff x="0" y="0"/>
-          <a:chExt cx="0" cy="0"/>
-        </a:xfrm>
-      </p:grpSpPr>
-      <p:sp>
-        <p:nvSpPr>
-          <p:cNvPr id="8" name="Rectangle 7">
-            <a:extLst>
-              <a:ext uri="{FF2B5EF4-FFF2-40B4-BE49-F238E27FC236}">
-                <a16:creationId xmlns:a16="http://schemas.microsoft.com/office/drawing/2014/main" id="{C162DF2A-64D1-4AA9-BA42-8A4063EADE09}"/>
-              </a:ext>
-              <a:ext uri="{C183D7F6-B498-43B3-948B-1728B52AA6E4}">
-                <adec:decorative xmlns:adec="http://schemas.microsoft.com/office/drawing/2017/decorative" val="1"/>
-              </a:ext>
-            </a:extLst>
-          </p:cNvPr>
-          <p:cNvSpPr>
-            <a:spLocks noGrp="1" noRot="1" noChangeAspect="1" noMove="1" noResize="1" noEditPoints="1" noAdjustHandles="1" noChangeArrowheads="1" noChangeShapeType="1" noTextEdit="1"/>
-          </p:cNvSpPr>
-          <p:nvPr>
-            <p:extLst>
-              <p:ext uri="{386F3935-93C4-4BCD-93E2-E3B085C9AB24}">
-                <p16:designElem xmlns:p16="http://schemas.microsoft.com/office/powerpoint/2015/main" val="1"/>
-              </p:ext>
-            </p:extLst>
-          </p:nvPr>
-        </p:nvSpPr>
-        <p:spPr>
-          <a:xfrm>
-            <a:off x="0" y="761999"/>
-            <a:ext cx="9141619" cy="5334001"/>
-          </a:xfrm>
-          <a:prstGeom prst="rect">
-            <a:avLst/>
-          </a:prstGeom>
-          <a:solidFill>
-            <a:schemeClr val="accent1"/>
-          </a:solidFill>
-          <a:ln>
-            <a:noFill/>
-          </a:ln>
-        </p:spPr>
-        <p:style>
-          <a:lnRef idx="2">
-            <a:schemeClr val="accent1">
-              <a:shade val="50000"/>
-            </a:schemeClr>
-          </a:lnRef>
-          <a:fillRef idx="1">
-            <a:schemeClr val="accent1"/>
-          </a:fillRef>
-          <a:effectRef idx="0">
-            <a:schemeClr val="accent1"/>
-          </a:effectRef>
-          <a:fontRef idx="minor">
-            <a:schemeClr val="lt1"/>
-          </a:fontRef>
-        </p:style>
-      </p:sp>
-      <p:sp>
-        <p:nvSpPr>
-          <p:cNvPr id="10" name="Rectangle 9">
-            <a:extLst>
-              <a:ext uri="{FF2B5EF4-FFF2-40B4-BE49-F238E27FC236}">
-                <a16:creationId xmlns:a16="http://schemas.microsoft.com/office/drawing/2014/main" id="{5D7C1373-63AF-4A75-909E-990E05356670}"/>
-              </a:ext>
-              <a:ext uri="{C183D7F6-B498-43B3-948B-1728B52AA6E4}">
-                <adec:decorative xmlns:adec="http://schemas.microsoft.com/office/drawing/2017/decorative" val="1"/>
-              </a:ext>
-            </a:extLst>
-          </p:cNvPr>
-          <p:cNvSpPr>
-            <a:spLocks noGrp="1" noRot="1" noChangeAspect="1" noMove="1" noResize="1" noEditPoints="1" noAdjustHandles="1" noChangeArrowheads="1" noChangeShapeType="1" noTextEdit="1"/>
-          </p:cNvSpPr>
-          <p:nvPr>
-            <p:extLst>
-              <p:ext uri="{386F3935-93C4-4BCD-93E2-E3B085C9AB24}">
-                <p16:designElem xmlns:p16="http://schemas.microsoft.com/office/powerpoint/2015/main" val="1"/>
-              </p:ext>
-            </p:extLst>
-          </p:nvPr>
-        </p:nvSpPr>
-        <p:spPr>
-          <a:xfrm>
-            <a:off x="9270263" y="761999"/>
-            <a:ext cx="2925318" cy="5334001"/>
-          </a:xfrm>
-          <a:prstGeom prst="rect">
-            <a:avLst/>
-          </a:prstGeom>
-          <a:solidFill>
-            <a:srgbClr val="C8C8C8">
-              <a:alpha val="49804"/>
-            </a:srgbClr>
-          </a:solidFill>
-          <a:ln>
-            <a:noFill/>
-          </a:ln>
-        </p:spPr>
-        <p:style>
-          <a:lnRef idx="2">
-            <a:schemeClr val="accent1">
-              <a:shade val="50000"/>
-            </a:schemeClr>
-          </a:lnRef>
-          <a:fillRef idx="1">
-            <a:schemeClr val="accent1"/>
-          </a:fillRef>
-          <a:effectRef idx="0">
-            <a:schemeClr val="accent1"/>
-          </a:effectRef>
-          <a:fontRef idx="minor">
-            <a:schemeClr val="lt1"/>
-          </a:fontRef>
-        </p:style>
-      </p:sp>
-      <p:sp useBgFill="1">
-        <p:nvSpPr>
-          <p:cNvPr id="12" name="Rectangle 11">
-            <a:extLst>
-              <a:ext uri="{FF2B5EF4-FFF2-40B4-BE49-F238E27FC236}">
-                <a16:creationId xmlns:a16="http://schemas.microsoft.com/office/drawing/2014/main" id="{18CADB29-8DC2-4A50-8BEC-5C30E8868F09}"/>
-              </a:ext>
-              <a:ext uri="{C183D7F6-B498-43B3-948B-1728B52AA6E4}">
-                <adec:decorative xmlns:adec="http://schemas.microsoft.com/office/drawing/2017/decorative" val="1"/>
-              </a:ext>
-            </a:extLst>
-          </p:cNvPr>
-          <p:cNvSpPr>
-            <a:spLocks noGrp="1" noRot="1" noChangeAspect="1" noMove="1" noResize="1" noEditPoints="1" noAdjustHandles="1" noChangeArrowheads="1" noChangeShapeType="1" noTextEdit="1"/>
-          </p:cNvSpPr>
-          <p:nvPr>
-            <p:extLst>
-              <p:ext uri="{386F3935-93C4-4BCD-93E2-E3B085C9AB24}">
-                <p16:designElem xmlns:p16="http://schemas.microsoft.com/office/powerpoint/2015/main" val="1"/>
-              </p:ext>
-            </p:extLst>
-          </p:nvPr>
-        </p:nvSpPr>
-        <p:spPr>
-          <a:xfrm>
-            <a:off x="0" y="0"/>
-            <a:ext cx="12192000" cy="6858000"/>
-          </a:xfrm>
-          <a:prstGeom prst="rect">
-            <a:avLst/>
-          </a:prstGeom>
-          <a:ln>
-            <a:noFill/>
-          </a:ln>
-        </p:spPr>
-        <p:style>
-          <a:lnRef idx="2">
-            <a:schemeClr val="accent1">
-              <a:shade val="50000"/>
-            </a:schemeClr>
-          </a:lnRef>
-          <a:fillRef idx="1">
-            <a:schemeClr val="accent1"/>
-          </a:fillRef>
-          <a:effectRef idx="0">
-            <a:schemeClr val="accent1"/>
-          </a:effectRef>
-          <a:fontRef idx="minor">
-            <a:schemeClr val="lt1"/>
-          </a:fontRef>
-        </p:style>
-        <p:txBody>
-          <a:bodyPr rtlCol="0" anchor="ctr"/>
-          <a:lstStyle/>
-          <a:p>
-            <a:pPr algn="ctr"/>
-            <a:endParaRPr lang="en-US" dirty="0"/>
-          </a:p>
-        </p:txBody>
-      </p:sp>
-      <p:sp>
-        <p:nvSpPr>
-          <p:cNvPr id="14" name="Rectangle 13">
-            <a:extLst>
-              <a:ext uri="{FF2B5EF4-FFF2-40B4-BE49-F238E27FC236}">
-                <a16:creationId xmlns:a16="http://schemas.microsoft.com/office/drawing/2014/main" id="{5DF1B43F-EA23-4B99-96C3-C17484DE3E66}"/>
-              </a:ext>
-              <a:ext uri="{C183D7F6-B498-43B3-948B-1728B52AA6E4}">
-                <adec:decorative xmlns:adec="http://schemas.microsoft.com/office/drawing/2017/decorative" val="1"/>
-              </a:ext>
-            </a:extLst>
-          </p:cNvPr>
-          <p:cNvSpPr>
-            <a:spLocks noGrp="1" noRot="1" noChangeAspect="1" noMove="1" noResize="1" noEditPoints="1" noAdjustHandles="1" noChangeArrowheads="1" noChangeShapeType="1" noTextEdit="1"/>
-          </p:cNvSpPr>
-          <p:nvPr>
-            <p:extLst>
-              <p:ext uri="{386F3935-93C4-4BCD-93E2-E3B085C9AB24}">
-                <p16:designElem xmlns:p16="http://schemas.microsoft.com/office/powerpoint/2015/main" val="1"/>
-              </p:ext>
-            </p:extLst>
-          </p:nvPr>
-        </p:nvSpPr>
-        <p:spPr>
-          <a:xfrm>
-            <a:off x="1" y="761999"/>
-            <a:ext cx="6739466" cy="5334001"/>
-          </a:xfrm>
-          <a:prstGeom prst="rect">
-            <a:avLst/>
-          </a:prstGeom>
-          <a:solidFill>
-            <a:schemeClr val="accent1"/>
-          </a:solidFill>
-          <a:ln>
-            <a:noFill/>
-          </a:ln>
-        </p:spPr>
-        <p:style>
-          <a:lnRef idx="2">
-            <a:schemeClr val="accent1">
-              <a:shade val="50000"/>
-            </a:schemeClr>
-          </a:lnRef>
-          <a:fillRef idx="1">
-            <a:schemeClr val="accent1"/>
-          </a:fillRef>
-          <a:effectRef idx="0">
-            <a:schemeClr val="accent1"/>
-          </a:effectRef>
-          <a:fontRef idx="minor">
-            <a:schemeClr val="lt1"/>
-          </a:fontRef>
-        </p:style>
-      </p:sp>
-      <p:sp>
-        <p:nvSpPr>
-          <p:cNvPr id="2" name="Title 1">
-            <a:extLst>
-              <a:ext uri="{FF2B5EF4-FFF2-40B4-BE49-F238E27FC236}">
-                <a16:creationId xmlns:a16="http://schemas.microsoft.com/office/drawing/2014/main" id="{233C3153-1312-4F05-B97D-092F6EA33E1B}"/>
-              </a:ext>
-            </a:extLst>
-          </p:cNvPr>
-          <p:cNvSpPr>
-            <a:spLocks noGrp="1"/>
-          </p:cNvSpPr>
-          <p:nvPr>
-            <p:ph type="title"/>
-          </p:nvPr>
-        </p:nvSpPr>
-        <p:spPr>
-          <a:xfrm>
-            <a:off x="1286929" y="1405466"/>
-            <a:ext cx="4805489" cy="4047068"/>
-          </a:xfrm>
-        </p:spPr>
-        <p:txBody>
-          <a:bodyPr vert="horz" lIns="91440" tIns="45720" rIns="91440" bIns="45720" rtlCol="0" anchor="ctr">
-            <a:normAutofit/>
-          </a:bodyPr>
-          <a:lstStyle/>
-          <a:p>
-            <a:pPr algn="r"/>
-            <a:r>
-              <a:rPr lang="en-US" sz="13800" b="1" spc="-100" dirty="0"/>
-              <a:t>FIN</a:t>
-            </a:r>
-          </a:p>
-        </p:txBody>
-      </p:sp>
-      <p:sp>
-        <p:nvSpPr>
-          <p:cNvPr id="16" name="Rectangle 15">
-            <a:extLst>
-              <a:ext uri="{FF2B5EF4-FFF2-40B4-BE49-F238E27FC236}">
-                <a16:creationId xmlns:a16="http://schemas.microsoft.com/office/drawing/2014/main" id="{D5FD08BB-EB5C-48F5-95FD-3F539DDD4A87}"/>
-              </a:ext>
-              <a:ext uri="{C183D7F6-B498-43B3-948B-1728B52AA6E4}">
-                <adec:decorative xmlns:adec="http://schemas.microsoft.com/office/drawing/2017/decorative" val="1"/>
-              </a:ext>
-            </a:extLst>
-          </p:cNvPr>
-          <p:cNvSpPr>
-            <a:spLocks noGrp="1" noRot="1" noChangeAspect="1" noMove="1" noResize="1" noEditPoints="1" noAdjustHandles="1" noChangeArrowheads="1" noChangeShapeType="1" noTextEdit="1"/>
-          </p:cNvSpPr>
-          <p:nvPr>
-            <p:extLst>
-              <p:ext uri="{386F3935-93C4-4BCD-93E2-E3B085C9AB24}">
-                <p16:designElem xmlns:p16="http://schemas.microsoft.com/office/powerpoint/2015/main" val="1"/>
-              </p:ext>
-            </p:extLst>
-          </p:nvPr>
-        </p:nvSpPr>
-        <p:spPr>
-          <a:xfrm>
-            <a:off x="10634135" y="761999"/>
-            <a:ext cx="1561446" cy="5334001"/>
-          </a:xfrm>
-          <a:prstGeom prst="rect">
-            <a:avLst/>
-          </a:prstGeom>
-          <a:solidFill>
-            <a:srgbClr val="C8C8C8">
-              <a:alpha val="49804"/>
-            </a:srgbClr>
-          </a:solidFill>
-          <a:ln>
-            <a:noFill/>
-          </a:ln>
-        </p:spPr>
-        <p:style>
-          <a:lnRef idx="2">
-            <a:schemeClr val="accent1">
-              <a:shade val="50000"/>
-            </a:schemeClr>
-          </a:lnRef>
-          <a:fillRef idx="1">
-            <a:schemeClr val="accent1"/>
-          </a:fillRef>
-          <a:effectRef idx="0">
-            <a:schemeClr val="accent1"/>
-          </a:effectRef>
-          <a:fontRef idx="minor">
-            <a:schemeClr val="lt1"/>
-          </a:fontRef>
-        </p:style>
-      </p:sp>
-    </p:spTree>
-    <p:extLst>
-      <p:ext uri="{BB962C8B-B14F-4D97-AF65-F5344CB8AC3E}">
-        <p14:creationId xmlns:p14="http://schemas.microsoft.com/office/powerpoint/2010/main" val="3488987528"/>
       </p:ext>
     </p:extLst>
   </p:cSld>

--- a/Practica 04/PRESENTACION.pptx
+++ b/Practica 04/PRESENTACION.pptx
@@ -389,7 +389,7 @@
             <a:fld id="{4FAB73BC-B049-4115-A692-8D63A059BFB8}" type="slidenum">
               <a:rPr lang="en-US" smtClean="0"/>
               <a:pPr/>
-              <a:t>‹#›</a:t>
+              <a:t>‹Nº›</a:t>
             </a:fld>
             <a:endParaRPr lang="en-US" dirty="0"/>
           </a:p>
@@ -561,7 +561,7 @@
             <a:fld id="{4FAB73BC-B049-4115-A692-8D63A059BFB8}" type="slidenum">
               <a:rPr lang="en-US" smtClean="0"/>
               <a:pPr/>
-              <a:t>‹#›</a:t>
+              <a:t>‹Nº›</a:t>
             </a:fld>
             <a:endParaRPr lang="en-US" dirty="0"/>
           </a:p>
@@ -743,7 +743,7 @@
             <a:fld id="{4FAB73BC-B049-4115-A692-8D63A059BFB8}" type="slidenum">
               <a:rPr lang="en-US" smtClean="0"/>
               <a:pPr/>
-              <a:t>‹#›</a:t>
+              <a:t>‹Nº›</a:t>
             </a:fld>
             <a:endParaRPr lang="en-US" dirty="0"/>
           </a:p>
@@ -915,7 +915,7 @@
             <a:fld id="{4FAB73BC-B049-4115-A692-8D63A059BFB8}" type="slidenum">
               <a:rPr lang="en-US" smtClean="0"/>
               <a:pPr/>
-              <a:t>‹#›</a:t>
+              <a:t>‹Nº›</a:t>
             </a:fld>
             <a:endParaRPr lang="en-US" dirty="0"/>
           </a:p>
@@ -1175,7 +1175,7 @@
             <a:fld id="{4FAB73BC-B049-4115-A692-8D63A059BFB8}" type="slidenum">
               <a:rPr lang="en-US" smtClean="0"/>
               <a:pPr/>
-              <a:t>‹#›</a:t>
+              <a:t>‹Nº›</a:t>
             </a:fld>
             <a:endParaRPr lang="en-US" dirty="0"/>
           </a:p>
@@ -1465,7 +1465,7 @@
             <a:fld id="{4FAB73BC-B049-4115-A692-8D63A059BFB8}" type="slidenum">
               <a:rPr lang="en-US" smtClean="0"/>
               <a:pPr/>
-              <a:t>‹#›</a:t>
+              <a:t>‹Nº›</a:t>
             </a:fld>
             <a:endParaRPr lang="en-US" dirty="0"/>
           </a:p>
@@ -1909,7 +1909,7 @@
             <a:fld id="{4FAB73BC-B049-4115-A692-8D63A059BFB8}" type="slidenum">
               <a:rPr lang="en-US" smtClean="0"/>
               <a:pPr/>
-              <a:t>‹#›</a:t>
+              <a:t>‹Nº›</a:t>
             </a:fld>
             <a:endParaRPr lang="en-US" dirty="0"/>
           </a:p>
@@ -2029,7 +2029,7 @@
             <a:fld id="{4FAB73BC-B049-4115-A692-8D63A059BFB8}" type="slidenum">
               <a:rPr lang="en-US" smtClean="0"/>
               <a:pPr/>
-              <a:t>‹#›</a:t>
+              <a:t>‹Nº›</a:t>
             </a:fld>
             <a:endParaRPr lang="en-US" dirty="0"/>
           </a:p>
@@ -2126,7 +2126,7 @@
             <a:fld id="{4FAB73BC-B049-4115-A692-8D63A059BFB8}" type="slidenum">
               <a:rPr lang="en-US" smtClean="0"/>
               <a:pPr/>
-              <a:t>‹#›</a:t>
+              <a:t>‹Nº›</a:t>
             </a:fld>
             <a:endParaRPr lang="en-US" dirty="0"/>
           </a:p>
@@ -2416,7 +2416,7 @@
             <a:fld id="{4FAB73BC-B049-4115-A692-8D63A059BFB8}" type="slidenum">
               <a:rPr lang="en-US" smtClean="0"/>
               <a:pPr/>
-              <a:t>‹#›</a:t>
+              <a:t>‹Nº›</a:t>
             </a:fld>
             <a:endParaRPr lang="en-US" dirty="0"/>
           </a:p>
@@ -2696,7 +2696,7 @@
             <a:fld id="{4FAB73BC-B049-4115-A692-8D63A059BFB8}" type="slidenum">
               <a:rPr lang="en-US" smtClean="0"/>
               <a:pPr/>
-              <a:t>‹#›</a:t>
+              <a:t>‹Nº›</a:t>
             </a:fld>
             <a:endParaRPr lang="en-US" dirty="0"/>
           </a:p>
@@ -3025,7 +3025,7 @@
             <a:fld id="{4FAB73BC-B049-4115-A692-8D63A059BFB8}" type="slidenum">
               <a:rPr lang="en-US" smtClean="0"/>
               <a:pPr/>
-              <a:t>‹#›</a:t>
+              <a:t>‹Nº›</a:t>
             </a:fld>
             <a:endParaRPr lang="en-US" dirty="0"/>
           </a:p>
@@ -5655,7 +5655,7 @@
         </p:nvSpPr>
         <p:spPr>
           <a:xfrm>
-            <a:off x="252919" y="1123837"/>
+            <a:off x="177003" y="2061982"/>
             <a:ext cx="2947482" cy="729901"/>
           </a:xfrm>
         </p:spPr>
@@ -5695,6 +5695,36 @@
           <a:xfrm>
             <a:off x="5191665" y="286789"/>
             <a:ext cx="5174099" cy="6284422"/>
+          </a:xfrm>
+          <a:prstGeom prst="rect">
+            <a:avLst/>
+          </a:prstGeom>
+        </p:spPr>
+      </p:pic>
+      <p:pic>
+        <p:nvPicPr>
+          <p:cNvPr id="3" name="Imagen 2">
+            <a:extLst>
+              <a:ext uri="{FF2B5EF4-FFF2-40B4-BE49-F238E27FC236}">
+                <a16:creationId xmlns:a16="http://schemas.microsoft.com/office/drawing/2014/main" id="{F1D7C5FB-0E71-44D6-A366-B3B45D238A32}"/>
+              </a:ext>
+            </a:extLst>
+          </p:cNvPr>
+          <p:cNvPicPr>
+            <a:picLocks noChangeAspect="1"/>
+          </p:cNvPicPr>
+          <p:nvPr/>
+        </p:nvPicPr>
+        <p:blipFill>
+          <a:blip r:embed="rId3"/>
+          <a:stretch>
+            <a:fillRect/>
+          </a:stretch>
+        </p:blipFill>
+        <p:spPr>
+          <a:xfrm>
+            <a:off x="-326663" y="604912"/>
+            <a:ext cx="4139543" cy="1457070"/>
           </a:xfrm>
           <a:prstGeom prst="rect">
             <a:avLst/>
@@ -6034,8 +6064,8 @@
               <a:rPr lang="en-US" sz="5300" b="1" spc="-100" dirty="0"/>
             </a:br>
             <a:r>
-              <a:rPr lang="en-US" sz="5300" b="1" spc="-100" dirty="0"/>
-              <a:t>RESOLUCIÓN</a:t>
+              <a:rPr lang="en-US" sz="5300" b="1" spc="-100" dirty="0" err="1"/>
+              <a:t>Resolución</a:t>
             </a:r>
             <a:br>
               <a:rPr lang="en-US" sz="5500" b="1" spc="-100" dirty="0"/>
@@ -6499,72 +6529,31 @@
         </p:nvSpPr>
         <p:spPr>
           <a:xfrm>
-            <a:off x="261348" y="2118554"/>
-            <a:ext cx="5422097" cy="3615655"/>
+            <a:off x="261348" y="2166797"/>
+            <a:ext cx="5422097" cy="2305209"/>
           </a:xfrm>
         </p:spPr>
         <p:txBody>
           <a:bodyPr vert="horz" lIns="91440" tIns="45720" rIns="91440" bIns="45720" rtlCol="0" anchor="b">
-            <a:normAutofit fontScale="90000"/>
+            <a:normAutofit/>
           </a:bodyPr>
           <a:lstStyle/>
           <a:p>
+            <a:r>
+              <a:rPr lang="en-US" sz="5500" b="1" spc="-100" dirty="0" err="1"/>
+              <a:t>Diagrama</a:t>
+            </a:r>
+            <a:r>
+              <a:rPr lang="en-US" sz="5500" b="1" spc="-100" dirty="0"/>
+              <a:t> de </a:t>
+            </a:r>
             <a:br>
               <a:rPr lang="en-US" sz="5500" b="1" spc="-100" dirty="0"/>
             </a:br>
-            <a:br>
-              <a:rPr lang="en-US" sz="5500" b="1" spc="-100" dirty="0"/>
-            </a:br>
-            <a:br>
-              <a:rPr lang="en-US" sz="5500" b="1" spc="-100" dirty="0"/>
-            </a:br>
-            <a:br>
-              <a:rPr lang="en-US" sz="5500" b="1" spc="-100" dirty="0"/>
-            </a:br>
-            <a:br>
-              <a:rPr lang="en-US" sz="5500" b="1" spc="-100" dirty="0"/>
-            </a:br>
-            <a:br>
-              <a:rPr lang="en-US" sz="5500" b="1" spc="-100" dirty="0"/>
-            </a:br>
-            <a:br>
-              <a:rPr lang="en-US" sz="5500" b="1" spc="-100" dirty="0"/>
-            </a:br>
-            <a:br>
-              <a:rPr lang="en-US" sz="5500" b="1" spc="-100" dirty="0"/>
-            </a:br>
-            <a:br>
-              <a:rPr lang="en-US" sz="5500" b="1" spc="-100" dirty="0"/>
-            </a:br>
-            <a:br>
-              <a:rPr lang="en-US" sz="5500" b="1" spc="-100" dirty="0"/>
-            </a:br>
-            <a:br>
-              <a:rPr lang="en-US" sz="5500" b="1" spc="-100" dirty="0"/>
-            </a:br>
-            <a:br>
-              <a:rPr lang="en-US" sz="5500" b="1" spc="-100" dirty="0"/>
-            </a:br>
-            <a:br>
-              <a:rPr lang="en-US" sz="5500" b="1" spc="-100" dirty="0"/>
-            </a:br>
-            <a:r>
-              <a:rPr lang="en-US" sz="5500" b="1" spc="-100" dirty="0"/>
-              <a:t>DIAGRAMA DE</a:t>
-            </a:r>
-            <a:br>
-              <a:rPr lang="en-US" sz="5500" b="1" spc="-100" dirty="0"/>
-            </a:br>
-            <a:r>
-              <a:rPr lang="en-US" sz="5500" b="1" spc="-100" dirty="0"/>
-              <a:t>INFLUENCIA</a:t>
-            </a:r>
-            <a:br>
-              <a:rPr lang="en-US" sz="5500" b="1" spc="-100" dirty="0"/>
-            </a:br>
-            <a:br>
-              <a:rPr lang="en-US" sz="5500" b="1" spc="-100" dirty="0"/>
-            </a:br>
+            <a:r>
+              <a:rPr lang="en-US" sz="5500" b="1" spc="-100" dirty="0" err="1"/>
+              <a:t>influencia</a:t>
+            </a:r>
             <a:endParaRPr lang="en-US" sz="5500" b="1" spc="-100" dirty="0"/>
           </a:p>
         </p:txBody>
